--- a/revised-ppts/Day 16 PPT.pptx
+++ b/revised-ppts/Day 16 PPT.pptx
@@ -392,38 +392,6 @@
 <file path=ppt/changesInfos/changesInfo1.xml><?xml version="1.0" encoding="utf-8"?>
 <pc:chgInfo xmlns:a="http://schemas.openxmlformats.org/drawingml/2006/main" xmlns:r="http://schemas.openxmlformats.org/officeDocument/2006/relationships" xmlns:ac="http://schemas.microsoft.com/office/drawing/2013/main/command" xmlns:pc="http://schemas.microsoft.com/office/powerpoint/2013/main/command">
   <pc:docChgLst>
-    <pc:chgData name="Cynthia Enciso" userId="7915927f-c5cf-4e1f-876d-e79882ad52fa" providerId="ADAL" clId="{007E3B92-AEC5-49E9-A0ED-D9E41C77BCEC}"/>
-    <pc:docChg chg="custSel modSld">
-      <pc:chgData name="Cynthia Enciso" userId="7915927f-c5cf-4e1f-876d-e79882ad52fa" providerId="ADAL" clId="{007E3B92-AEC5-49E9-A0ED-D9E41C77BCEC}" dt="2021-12-14T21:48:58.242" v="2"/>
-      <pc:docMkLst>
-        <pc:docMk/>
-      </pc:docMkLst>
-      <pc:sldChg chg="addSp delSp modSp mod">
-        <pc:chgData name="Cynthia Enciso" userId="7915927f-c5cf-4e1f-876d-e79882ad52fa" providerId="ADAL" clId="{007E3B92-AEC5-49E9-A0ED-D9E41C77BCEC}" dt="2021-12-14T21:48:58.242" v="2"/>
-        <pc:sldMkLst>
-          <pc:docMk/>
-          <pc:sldMk cId="0" sldId="259"/>
-        </pc:sldMkLst>
-        <pc:spChg chg="add mod">
-          <ac:chgData name="Cynthia Enciso" userId="7915927f-c5cf-4e1f-876d-e79882ad52fa" providerId="ADAL" clId="{007E3B92-AEC5-49E9-A0ED-D9E41C77BCEC}" dt="2021-12-14T21:48:58.242" v="2"/>
-          <ac:spMkLst>
-            <pc:docMk/>
-            <pc:sldMk cId="0" sldId="259"/>
-            <ac:spMk id="6" creationId="{9CB3CF3A-4EB5-4C02-A6F6-3ED9D20DEDAC}"/>
-          </ac:spMkLst>
-        </pc:spChg>
-        <pc:spChg chg="del mod">
-          <ac:chgData name="Cynthia Enciso" userId="7915927f-c5cf-4e1f-876d-e79882ad52fa" providerId="ADAL" clId="{007E3B92-AEC5-49E9-A0ED-D9E41C77BCEC}" dt="2021-12-14T21:48:57.965" v="1" actId="478"/>
-          <ac:spMkLst>
-            <pc:docMk/>
-            <pc:sldMk cId="0" sldId="259"/>
-            <ac:spMk id="7" creationId="{E58A825B-5F0A-4223-9EE9-4074AE300333}"/>
-          </ac:spMkLst>
-        </pc:spChg>
-      </pc:sldChg>
-    </pc:docChg>
-  </pc:docChgLst>
-  <pc:docChgLst>
     <pc:chgData name="Cynthia Enciso" userId="7915927f-c5cf-4e1f-876d-e79882ad52fa" providerId="ADAL" clId="{B200A48C-31DA-410A-B849-C7CB8400393E}"/>
     <pc:docChg chg="custSel addSld delSld modSld sldOrd">
       <pc:chgData name="Cynthia Enciso" userId="7915927f-c5cf-4e1f-876d-e79882ad52fa" providerId="ADAL" clId="{B200A48C-31DA-410A-B849-C7CB8400393E}" dt="2021-09-23T21:11:18.049" v="423" actId="47"/>
@@ -532,364 +500,6 @@
             <ac:spMk id="3" creationId="{F9EBCC94-BE62-42DC-A27D-16B087F7B97F}"/>
           </ac:spMkLst>
         </pc:spChg>
-      </pc:sldChg>
-    </pc:docChg>
-  </pc:docChgLst>
-  <pc:docChgLst>
-    <pc:chgData name="Cynthia Enciso" userId="7915927f-c5cf-4e1f-876d-e79882ad52fa" providerId="ADAL" clId="{A5DF6FD7-8000-40B2-B46A-A2B0A7504C35}"/>
-    <pc:docChg chg="undo custSel addSld delSld modSld sldOrd">
-      <pc:chgData name="Cynthia Enciso" userId="7915927f-c5cf-4e1f-876d-e79882ad52fa" providerId="ADAL" clId="{A5DF6FD7-8000-40B2-B46A-A2B0A7504C35}" dt="2021-05-13T21:09:00.823" v="784" actId="1076"/>
-      <pc:docMkLst>
-        <pc:docMk/>
-      </pc:docMkLst>
-      <pc:sldChg chg="ord">
-        <pc:chgData name="Cynthia Enciso" userId="7915927f-c5cf-4e1f-876d-e79882ad52fa" providerId="ADAL" clId="{A5DF6FD7-8000-40B2-B46A-A2B0A7504C35}" dt="2021-05-13T13:10:11.368" v="719"/>
-        <pc:sldMkLst>
-          <pc:docMk/>
-          <pc:sldMk cId="0" sldId="259"/>
-        </pc:sldMkLst>
-      </pc:sldChg>
-      <pc:sldChg chg="ord">
-        <pc:chgData name="Cynthia Enciso" userId="7915927f-c5cf-4e1f-876d-e79882ad52fa" providerId="ADAL" clId="{A5DF6FD7-8000-40B2-B46A-A2B0A7504C35}" dt="2021-05-13T13:09:10.027" v="717"/>
-        <pc:sldMkLst>
-          <pc:docMk/>
-          <pc:sldMk cId="0" sldId="260"/>
-        </pc:sldMkLst>
-      </pc:sldChg>
-      <pc:sldChg chg="addSp modSp mod">
-        <pc:chgData name="Cynthia Enciso" userId="7915927f-c5cf-4e1f-876d-e79882ad52fa" providerId="ADAL" clId="{A5DF6FD7-8000-40B2-B46A-A2B0A7504C35}" dt="2021-05-13T13:58:36.042" v="754" actId="20577"/>
-        <pc:sldMkLst>
-          <pc:docMk/>
-          <pc:sldMk cId="0" sldId="263"/>
-        </pc:sldMkLst>
-        <pc:spChg chg="add mod">
-          <ac:chgData name="Cynthia Enciso" userId="7915927f-c5cf-4e1f-876d-e79882ad52fa" providerId="ADAL" clId="{A5DF6FD7-8000-40B2-B46A-A2B0A7504C35}" dt="2021-05-13T13:58:36.042" v="754" actId="20577"/>
-          <ac:spMkLst>
-            <pc:docMk/>
-            <pc:sldMk cId="0" sldId="263"/>
-            <ac:spMk id="2" creationId="{5C5A2562-1FAD-487B-95C6-159422001AAD}"/>
-          </ac:spMkLst>
-        </pc:spChg>
-      </pc:sldChg>
-      <pc:sldChg chg="modSp del mod">
-        <pc:chgData name="Cynthia Enciso" userId="7915927f-c5cf-4e1f-876d-e79882ad52fa" providerId="ADAL" clId="{A5DF6FD7-8000-40B2-B46A-A2B0A7504C35}" dt="2021-05-13T15:09:37.501" v="756" actId="47"/>
-        <pc:sldMkLst>
-          <pc:docMk/>
-          <pc:sldMk cId="0" sldId="265"/>
-        </pc:sldMkLst>
-        <pc:spChg chg="mod">
-          <ac:chgData name="Cynthia Enciso" userId="7915927f-c5cf-4e1f-876d-e79882ad52fa" providerId="ADAL" clId="{A5DF6FD7-8000-40B2-B46A-A2B0A7504C35}" dt="2021-05-13T15:03:53.591" v="755" actId="20577"/>
-          <ac:spMkLst>
-            <pc:docMk/>
-            <pc:sldMk cId="0" sldId="265"/>
-            <ac:spMk id="275" creationId="{00000000-0000-0000-0000-000000000000}"/>
-          </ac:spMkLst>
-        </pc:spChg>
-      </pc:sldChg>
-      <pc:sldChg chg="del">
-        <pc:chgData name="Cynthia Enciso" userId="7915927f-c5cf-4e1f-876d-e79882ad52fa" providerId="ADAL" clId="{A5DF6FD7-8000-40B2-B46A-A2B0A7504C35}" dt="2021-05-13T15:09:37.501" v="756" actId="47"/>
-        <pc:sldMkLst>
-          <pc:docMk/>
-          <pc:sldMk cId="0" sldId="266"/>
-        </pc:sldMkLst>
-      </pc:sldChg>
-      <pc:sldChg chg="addSp modSp mod">
-        <pc:chgData name="Cynthia Enciso" userId="7915927f-c5cf-4e1f-876d-e79882ad52fa" providerId="ADAL" clId="{A5DF6FD7-8000-40B2-B46A-A2B0A7504C35}" dt="2021-05-13T01:07:56.412" v="691" actId="20577"/>
-        <pc:sldMkLst>
-          <pc:docMk/>
-          <pc:sldMk cId="161632373" sldId="274"/>
-        </pc:sldMkLst>
-        <pc:spChg chg="add mod">
-          <ac:chgData name="Cynthia Enciso" userId="7915927f-c5cf-4e1f-876d-e79882ad52fa" providerId="ADAL" clId="{A5DF6FD7-8000-40B2-B46A-A2B0A7504C35}" dt="2021-05-13T01:07:56.412" v="691" actId="20577"/>
-          <ac:spMkLst>
-            <pc:docMk/>
-            <pc:sldMk cId="161632373" sldId="274"/>
-            <ac:spMk id="9" creationId="{03DAEC70-3A98-40F4-9BA8-7EC62A9DF887}"/>
-          </ac:spMkLst>
-        </pc:spChg>
-      </pc:sldChg>
-      <pc:sldChg chg="addSp modSp mod">
-        <pc:chgData name="Cynthia Enciso" userId="7915927f-c5cf-4e1f-876d-e79882ad52fa" providerId="ADAL" clId="{A5DF6FD7-8000-40B2-B46A-A2B0A7504C35}" dt="2021-05-13T01:08:02.824" v="702" actId="20577"/>
-        <pc:sldMkLst>
-          <pc:docMk/>
-          <pc:sldMk cId="2217254208" sldId="275"/>
-        </pc:sldMkLst>
-        <pc:spChg chg="add mod">
-          <ac:chgData name="Cynthia Enciso" userId="7915927f-c5cf-4e1f-876d-e79882ad52fa" providerId="ADAL" clId="{A5DF6FD7-8000-40B2-B46A-A2B0A7504C35}" dt="2021-05-13T01:08:02.824" v="702" actId="20577"/>
-          <ac:spMkLst>
-            <pc:docMk/>
-            <pc:sldMk cId="2217254208" sldId="275"/>
-            <ac:spMk id="3" creationId="{C3EC13CC-447D-4522-A147-EA6C7635768A}"/>
-          </ac:spMkLst>
-        </pc:spChg>
-        <pc:spChg chg="mod">
-          <ac:chgData name="Cynthia Enciso" userId="7915927f-c5cf-4e1f-876d-e79882ad52fa" providerId="ADAL" clId="{A5DF6FD7-8000-40B2-B46A-A2B0A7504C35}" dt="2021-05-13T00:37:41.840" v="671" actId="20577"/>
-          <ac:spMkLst>
-            <pc:docMk/>
-            <pc:sldMk cId="2217254208" sldId="275"/>
-            <ac:spMk id="6" creationId="{72C87E29-33CF-4D38-A874-906BF9E470BF}"/>
-          </ac:spMkLst>
-        </pc:spChg>
-      </pc:sldChg>
-      <pc:sldChg chg="addSp delSp modSp mod">
-        <pc:chgData name="Cynthia Enciso" userId="7915927f-c5cf-4e1f-876d-e79882ad52fa" providerId="ADAL" clId="{A5DF6FD7-8000-40B2-B46A-A2B0A7504C35}" dt="2021-05-12T19:06:37.231" v="667" actId="478"/>
-        <pc:sldMkLst>
-          <pc:docMk/>
-          <pc:sldMk cId="401115519" sldId="277"/>
-        </pc:sldMkLst>
-        <pc:spChg chg="add del mod">
-          <ac:chgData name="Cynthia Enciso" userId="7915927f-c5cf-4e1f-876d-e79882ad52fa" providerId="ADAL" clId="{A5DF6FD7-8000-40B2-B46A-A2B0A7504C35}" dt="2021-05-12T19:06:37.231" v="667" actId="478"/>
-          <ac:spMkLst>
-            <pc:docMk/>
-            <pc:sldMk cId="401115519" sldId="277"/>
-            <ac:spMk id="5" creationId="{BC2AC9E1-5FF1-43E6-A0E8-B98739FF59F5}"/>
-          </ac:spMkLst>
-        </pc:spChg>
-        <pc:spChg chg="add del mod">
-          <ac:chgData name="Cynthia Enciso" userId="7915927f-c5cf-4e1f-876d-e79882ad52fa" providerId="ADAL" clId="{A5DF6FD7-8000-40B2-B46A-A2B0A7504C35}" dt="2021-05-12T19:06:37.231" v="667" actId="478"/>
-          <ac:spMkLst>
-            <pc:docMk/>
-            <pc:sldMk cId="401115519" sldId="277"/>
-            <ac:spMk id="7" creationId="{00EC28CE-D4D5-492D-99E6-ADF60DAED5E0}"/>
-          </ac:spMkLst>
-        </pc:spChg>
-        <pc:spChg chg="add del mod">
-          <ac:chgData name="Cynthia Enciso" userId="7915927f-c5cf-4e1f-876d-e79882ad52fa" providerId="ADAL" clId="{A5DF6FD7-8000-40B2-B46A-A2B0A7504C35}" dt="2021-05-12T19:06:37.231" v="667" actId="478"/>
-          <ac:spMkLst>
-            <pc:docMk/>
-            <pc:sldMk cId="401115519" sldId="277"/>
-            <ac:spMk id="8" creationId="{16F8A9BF-D0A2-490B-8565-F84394B39199}"/>
-          </ac:spMkLst>
-        </pc:spChg>
-        <pc:spChg chg="add del mod">
-          <ac:chgData name="Cynthia Enciso" userId="7915927f-c5cf-4e1f-876d-e79882ad52fa" providerId="ADAL" clId="{A5DF6FD7-8000-40B2-B46A-A2B0A7504C35}" dt="2021-05-12T19:06:37.231" v="667" actId="478"/>
-          <ac:spMkLst>
-            <pc:docMk/>
-            <pc:sldMk cId="401115519" sldId="277"/>
-            <ac:spMk id="9" creationId="{8BACB54F-3215-461C-A98B-1DE17A74FF38}"/>
-          </ac:spMkLst>
-        </pc:spChg>
-        <pc:spChg chg="add del mod">
-          <ac:chgData name="Cynthia Enciso" userId="7915927f-c5cf-4e1f-876d-e79882ad52fa" providerId="ADAL" clId="{A5DF6FD7-8000-40B2-B46A-A2B0A7504C35}" dt="2021-05-12T19:06:37.231" v="667" actId="478"/>
-          <ac:spMkLst>
-            <pc:docMk/>
-            <pc:sldMk cId="401115519" sldId="277"/>
-            <ac:spMk id="10" creationId="{ED48520D-C161-42FA-91D2-F3CA20229511}"/>
-          </ac:spMkLst>
-        </pc:spChg>
-        <pc:spChg chg="add del mod">
-          <ac:chgData name="Cynthia Enciso" userId="7915927f-c5cf-4e1f-876d-e79882ad52fa" providerId="ADAL" clId="{A5DF6FD7-8000-40B2-B46A-A2B0A7504C35}" dt="2021-05-12T19:06:37.231" v="667" actId="478"/>
-          <ac:spMkLst>
-            <pc:docMk/>
-            <pc:sldMk cId="401115519" sldId="277"/>
-            <ac:spMk id="11" creationId="{79A09644-5AC3-49B4-A590-142F3077640A}"/>
-          </ac:spMkLst>
-        </pc:spChg>
-        <pc:spChg chg="add del mod">
-          <ac:chgData name="Cynthia Enciso" userId="7915927f-c5cf-4e1f-876d-e79882ad52fa" providerId="ADAL" clId="{A5DF6FD7-8000-40B2-B46A-A2B0A7504C35}" dt="2021-05-12T19:06:37.231" v="667" actId="478"/>
-          <ac:spMkLst>
-            <pc:docMk/>
-            <pc:sldMk cId="401115519" sldId="277"/>
-            <ac:spMk id="12" creationId="{58127662-FDB3-484E-8C82-4DE4158F794C}"/>
-          </ac:spMkLst>
-        </pc:spChg>
-        <pc:spChg chg="add del mod">
-          <ac:chgData name="Cynthia Enciso" userId="7915927f-c5cf-4e1f-876d-e79882ad52fa" providerId="ADAL" clId="{A5DF6FD7-8000-40B2-B46A-A2B0A7504C35}" dt="2021-05-12T18:26:09.847" v="354"/>
-          <ac:spMkLst>
-            <pc:docMk/>
-            <pc:sldMk cId="401115519" sldId="277"/>
-            <ac:spMk id="13" creationId="{3A882556-C4C2-41C1-94B6-44156227BF34}"/>
-          </ac:spMkLst>
-        </pc:spChg>
-        <pc:spChg chg="add del mod">
-          <ac:chgData name="Cynthia Enciso" userId="7915927f-c5cf-4e1f-876d-e79882ad52fa" providerId="ADAL" clId="{A5DF6FD7-8000-40B2-B46A-A2B0A7504C35}" dt="2021-05-12T19:06:37.231" v="667" actId="478"/>
-          <ac:spMkLst>
-            <pc:docMk/>
-            <pc:sldMk cId="401115519" sldId="277"/>
-            <ac:spMk id="14" creationId="{153AA97F-9544-4867-A96A-49975AB5E8E2}"/>
-          </ac:spMkLst>
-        </pc:spChg>
-        <pc:spChg chg="add del mod">
-          <ac:chgData name="Cynthia Enciso" userId="7915927f-c5cf-4e1f-876d-e79882ad52fa" providerId="ADAL" clId="{A5DF6FD7-8000-40B2-B46A-A2B0A7504C35}" dt="2021-05-12T19:06:37.231" v="667" actId="478"/>
-          <ac:spMkLst>
-            <pc:docMk/>
-            <pc:sldMk cId="401115519" sldId="277"/>
-            <ac:spMk id="15" creationId="{37E41A40-65C7-4F58-9BF1-ABAB0C95084F}"/>
-          </ac:spMkLst>
-        </pc:spChg>
-        <pc:spChg chg="add del mod">
-          <ac:chgData name="Cynthia Enciso" userId="7915927f-c5cf-4e1f-876d-e79882ad52fa" providerId="ADAL" clId="{A5DF6FD7-8000-40B2-B46A-A2B0A7504C35}" dt="2021-05-12T19:06:37.231" v="667" actId="478"/>
-          <ac:spMkLst>
-            <pc:docMk/>
-            <pc:sldMk cId="401115519" sldId="277"/>
-            <ac:spMk id="16" creationId="{DBF0276C-59F9-4DE3-BB5C-FB71F024D8FC}"/>
-          </ac:spMkLst>
-        </pc:spChg>
-        <pc:spChg chg="add del mod">
-          <ac:chgData name="Cynthia Enciso" userId="7915927f-c5cf-4e1f-876d-e79882ad52fa" providerId="ADAL" clId="{A5DF6FD7-8000-40B2-B46A-A2B0A7504C35}" dt="2021-05-12T19:06:37.231" v="667" actId="478"/>
-          <ac:spMkLst>
-            <pc:docMk/>
-            <pc:sldMk cId="401115519" sldId="277"/>
-            <ac:spMk id="17" creationId="{56DAA60E-AEED-4D1E-BAF1-D60B89B96368}"/>
-          </ac:spMkLst>
-        </pc:spChg>
-        <pc:spChg chg="add del mod">
-          <ac:chgData name="Cynthia Enciso" userId="7915927f-c5cf-4e1f-876d-e79882ad52fa" providerId="ADAL" clId="{A5DF6FD7-8000-40B2-B46A-A2B0A7504C35}" dt="2021-05-12T18:51:51.005" v="663" actId="478"/>
-          <ac:spMkLst>
-            <pc:docMk/>
-            <pc:sldMk cId="401115519" sldId="277"/>
-            <ac:spMk id="18" creationId="{F5B6587D-4033-4FF9-8573-0CDF4D84D5E1}"/>
-          </ac:spMkLst>
-        </pc:spChg>
-        <pc:spChg chg="add del">
-          <ac:chgData name="Cynthia Enciso" userId="7915927f-c5cf-4e1f-876d-e79882ad52fa" providerId="ADAL" clId="{A5DF6FD7-8000-40B2-B46A-A2B0A7504C35}" dt="2021-05-12T19:06:25.711" v="665" actId="22"/>
-          <ac:spMkLst>
-            <pc:docMk/>
-            <pc:sldMk cId="401115519" sldId="277"/>
-            <ac:spMk id="20" creationId="{AEBA135D-71F5-4C3A-B6BE-D6872FD06468}"/>
-          </ac:spMkLst>
-        </pc:spChg>
-      </pc:sldChg>
-      <pc:sldChg chg="addSp modSp mod">
-        <pc:chgData name="Cynthia Enciso" userId="7915927f-c5cf-4e1f-876d-e79882ad52fa" providerId="ADAL" clId="{A5DF6FD7-8000-40B2-B46A-A2B0A7504C35}" dt="2021-05-13T13:47:55.607" v="734" actId="5793"/>
-        <pc:sldMkLst>
-          <pc:docMk/>
-          <pc:sldMk cId="828568026" sldId="278"/>
-        </pc:sldMkLst>
-        <pc:spChg chg="add mod">
-          <ac:chgData name="Cynthia Enciso" userId="7915927f-c5cf-4e1f-876d-e79882ad52fa" providerId="ADAL" clId="{A5DF6FD7-8000-40B2-B46A-A2B0A7504C35}" dt="2021-05-13T13:47:55.607" v="734" actId="5793"/>
-          <ac:spMkLst>
-            <pc:docMk/>
-            <pc:sldMk cId="828568026" sldId="278"/>
-            <ac:spMk id="3" creationId="{AFFDEB83-A66E-4A4E-BAB1-870E0B7F82FC}"/>
-          </ac:spMkLst>
-        </pc:spChg>
-      </pc:sldChg>
-      <pc:sldChg chg="addSp modSp add del mod">
-        <pc:chgData name="Cynthia Enciso" userId="7915927f-c5cf-4e1f-876d-e79882ad52fa" providerId="ADAL" clId="{A5DF6FD7-8000-40B2-B46A-A2B0A7504C35}" dt="2021-05-13T20:48:20.141" v="757" actId="47"/>
-        <pc:sldMkLst>
-          <pc:docMk/>
-          <pc:sldMk cId="2118025839" sldId="280"/>
-        </pc:sldMkLst>
-        <pc:spChg chg="add mod">
-          <ac:chgData name="Cynthia Enciso" userId="7915927f-c5cf-4e1f-876d-e79882ad52fa" providerId="ADAL" clId="{A5DF6FD7-8000-40B2-B46A-A2B0A7504C35}" dt="2021-05-13T12:51:22.302" v="715" actId="1076"/>
-          <ac:spMkLst>
-            <pc:docMk/>
-            <pc:sldMk cId="2118025839" sldId="280"/>
-            <ac:spMk id="13" creationId="{47735A0F-0F31-459E-A4AC-84AA92B89ACC}"/>
-          </ac:spMkLst>
-        </pc:spChg>
-      </pc:sldChg>
-      <pc:sldChg chg="addSp delSp modSp new mod">
-        <pc:chgData name="Cynthia Enciso" userId="7915927f-c5cf-4e1f-876d-e79882ad52fa" providerId="ADAL" clId="{A5DF6FD7-8000-40B2-B46A-A2B0A7504C35}" dt="2021-05-13T21:09:00.823" v="784" actId="1076"/>
-        <pc:sldMkLst>
-          <pc:docMk/>
-          <pc:sldMk cId="2675953329" sldId="280"/>
-        </pc:sldMkLst>
-        <pc:spChg chg="del">
-          <ac:chgData name="Cynthia Enciso" userId="7915927f-c5cf-4e1f-876d-e79882ad52fa" providerId="ADAL" clId="{A5DF6FD7-8000-40B2-B46A-A2B0A7504C35}" dt="2021-05-13T21:06:37.891" v="759" actId="478"/>
-          <ac:spMkLst>
-            <pc:docMk/>
-            <pc:sldMk cId="2675953329" sldId="280"/>
-            <ac:spMk id="3" creationId="{CBCF5C6C-6E81-49DC-8008-DF8E74A8B8A9}"/>
-          </ac:spMkLst>
-        </pc:spChg>
-        <pc:spChg chg="add mod">
-          <ac:chgData name="Cynthia Enciso" userId="7915927f-c5cf-4e1f-876d-e79882ad52fa" providerId="ADAL" clId="{A5DF6FD7-8000-40B2-B46A-A2B0A7504C35}" dt="2021-05-13T21:06:42.714" v="761" actId="13822"/>
-          <ac:spMkLst>
-            <pc:docMk/>
-            <pc:sldMk cId="2675953329" sldId="280"/>
-            <ac:spMk id="5" creationId="{1BB1D7CF-36ED-426C-AF8C-F899B2DC8C5C}"/>
-          </ac:spMkLst>
-        </pc:spChg>
-        <pc:spChg chg="add mod">
-          <ac:chgData name="Cynthia Enciso" userId="7915927f-c5cf-4e1f-876d-e79882ad52fa" providerId="ADAL" clId="{A5DF6FD7-8000-40B2-B46A-A2B0A7504C35}" dt="2021-05-13T21:07:32.670" v="770" actId="14100"/>
-          <ac:spMkLst>
-            <pc:docMk/>
-            <pc:sldMk cId="2675953329" sldId="280"/>
-            <ac:spMk id="6" creationId="{1ABE50C8-E47E-4CC8-A329-20BD33C449B1}"/>
-          </ac:spMkLst>
-        </pc:spChg>
-        <pc:spChg chg="add mod">
-          <ac:chgData name="Cynthia Enciso" userId="7915927f-c5cf-4e1f-876d-e79882ad52fa" providerId="ADAL" clId="{A5DF6FD7-8000-40B2-B46A-A2B0A7504C35}" dt="2021-05-13T21:07:22.878" v="765" actId="1076"/>
-          <ac:spMkLst>
-            <pc:docMk/>
-            <pc:sldMk cId="2675953329" sldId="280"/>
-            <ac:spMk id="7" creationId="{14A97818-23E6-446C-AC14-D0A74D3CCFCC}"/>
-          </ac:spMkLst>
-        </pc:spChg>
-        <pc:spChg chg="add mod">
-          <ac:chgData name="Cynthia Enciso" userId="7915927f-c5cf-4e1f-876d-e79882ad52fa" providerId="ADAL" clId="{A5DF6FD7-8000-40B2-B46A-A2B0A7504C35}" dt="2021-05-13T21:07:24.971" v="766" actId="571"/>
-          <ac:spMkLst>
-            <pc:docMk/>
-            <pc:sldMk cId="2675953329" sldId="280"/>
-            <ac:spMk id="8" creationId="{1E819EEF-8215-4759-8EAF-EAD2218B1FB6}"/>
-          </ac:spMkLst>
-        </pc:spChg>
-        <pc:spChg chg="add mod">
-          <ac:chgData name="Cynthia Enciso" userId="7915927f-c5cf-4e1f-876d-e79882ad52fa" providerId="ADAL" clId="{A5DF6FD7-8000-40B2-B46A-A2B0A7504C35}" dt="2021-05-13T21:07:26.071" v="767" actId="571"/>
-          <ac:spMkLst>
-            <pc:docMk/>
-            <pc:sldMk cId="2675953329" sldId="280"/>
-            <ac:spMk id="9" creationId="{5850E483-D930-4C04-B412-79CA45D1AC8C}"/>
-          </ac:spMkLst>
-        </pc:spChg>
-        <pc:spChg chg="add mod">
-          <ac:chgData name="Cynthia Enciso" userId="7915927f-c5cf-4e1f-876d-e79882ad52fa" providerId="ADAL" clId="{A5DF6FD7-8000-40B2-B46A-A2B0A7504C35}" dt="2021-05-13T21:07:27.290" v="768" actId="571"/>
-          <ac:spMkLst>
-            <pc:docMk/>
-            <pc:sldMk cId="2675953329" sldId="280"/>
-            <ac:spMk id="10" creationId="{E1F90C20-0381-4F46-86C4-445E6E868350}"/>
-          </ac:spMkLst>
-        </pc:spChg>
-        <pc:spChg chg="add mod">
-          <ac:chgData name="Cynthia Enciso" userId="7915927f-c5cf-4e1f-876d-e79882ad52fa" providerId="ADAL" clId="{A5DF6FD7-8000-40B2-B46A-A2B0A7504C35}" dt="2021-05-13T21:07:29.794" v="769" actId="571"/>
-          <ac:spMkLst>
-            <pc:docMk/>
-            <pc:sldMk cId="2675953329" sldId="280"/>
-            <ac:spMk id="11" creationId="{03ECB692-08BE-4332-A356-DD47D370E3A8}"/>
-          </ac:spMkLst>
-        </pc:spChg>
-        <pc:spChg chg="add mod">
-          <ac:chgData name="Cynthia Enciso" userId="7915927f-c5cf-4e1f-876d-e79882ad52fa" providerId="ADAL" clId="{A5DF6FD7-8000-40B2-B46A-A2B0A7504C35}" dt="2021-05-13T21:08:08.110" v="775" actId="14100"/>
-          <ac:spMkLst>
-            <pc:docMk/>
-            <pc:sldMk cId="2675953329" sldId="280"/>
-            <ac:spMk id="12" creationId="{139B5649-7922-42CC-90E1-9C8F00DB11E8}"/>
-          </ac:spMkLst>
-        </pc:spChg>
-        <pc:spChg chg="add mod">
-          <ac:chgData name="Cynthia Enciso" userId="7915927f-c5cf-4e1f-876d-e79882ad52fa" providerId="ADAL" clId="{A5DF6FD7-8000-40B2-B46A-A2B0A7504C35}" dt="2021-05-13T21:08:42.485" v="779" actId="1076"/>
-          <ac:spMkLst>
-            <pc:docMk/>
-            <pc:sldMk cId="2675953329" sldId="280"/>
-            <ac:spMk id="13" creationId="{A108B2E6-09A8-4E0A-84B2-80BD7AC04147}"/>
-          </ac:spMkLst>
-        </pc:spChg>
-        <pc:spChg chg="add mod">
-          <ac:chgData name="Cynthia Enciso" userId="7915927f-c5cf-4e1f-876d-e79882ad52fa" providerId="ADAL" clId="{A5DF6FD7-8000-40B2-B46A-A2B0A7504C35}" dt="2021-05-13T21:09:00.823" v="784" actId="1076"/>
-          <ac:spMkLst>
-            <pc:docMk/>
-            <pc:sldMk cId="2675953329" sldId="280"/>
-            <ac:spMk id="17" creationId="{87B37B94-B12E-46E4-98C5-A102FFB69452}"/>
-          </ac:spMkLst>
-        </pc:spChg>
-        <pc:cxnChg chg="add mod">
-          <ac:chgData name="Cynthia Enciso" userId="7915927f-c5cf-4e1f-876d-e79882ad52fa" providerId="ADAL" clId="{A5DF6FD7-8000-40B2-B46A-A2B0A7504C35}" dt="2021-05-13T21:08:41.357" v="778" actId="14100"/>
-          <ac:cxnSpMkLst>
-            <pc:docMk/>
-            <pc:sldMk cId="2675953329" sldId="280"/>
-            <ac:cxnSpMk id="15" creationId="{62F06C4F-5EC5-44C4-92A3-A8EA05733A34}"/>
-          </ac:cxnSpMkLst>
-        </pc:cxnChg>
-        <pc:cxnChg chg="add del mod">
-          <ac:chgData name="Cynthia Enciso" userId="7915927f-c5cf-4e1f-876d-e79882ad52fa" providerId="ADAL" clId="{A5DF6FD7-8000-40B2-B46A-A2B0A7504C35}" dt="2021-05-13T21:08:54.386" v="783" actId="478"/>
-          <ac:cxnSpMkLst>
-            <pc:docMk/>
-            <pc:sldMk cId="2675953329" sldId="280"/>
-            <ac:cxnSpMk id="18" creationId="{37CF9E88-0FC8-4355-B7BE-B0499C706A27}"/>
-          </ac:cxnSpMkLst>
-        </pc:cxnChg>
       </pc:sldChg>
     </pc:docChg>
   </pc:docChgLst>
@@ -1747,6 +1357,364 @@
     </pc:docChg>
   </pc:docChgLst>
   <pc:docChgLst>
+    <pc:chgData name="Cynthia Enciso" userId="7915927f-c5cf-4e1f-876d-e79882ad52fa" providerId="ADAL" clId="{A5DF6FD7-8000-40B2-B46A-A2B0A7504C35}"/>
+    <pc:docChg chg="undo custSel addSld delSld modSld sldOrd">
+      <pc:chgData name="Cynthia Enciso" userId="7915927f-c5cf-4e1f-876d-e79882ad52fa" providerId="ADAL" clId="{A5DF6FD7-8000-40B2-B46A-A2B0A7504C35}" dt="2021-05-13T21:09:00.823" v="784" actId="1076"/>
+      <pc:docMkLst>
+        <pc:docMk/>
+      </pc:docMkLst>
+      <pc:sldChg chg="ord">
+        <pc:chgData name="Cynthia Enciso" userId="7915927f-c5cf-4e1f-876d-e79882ad52fa" providerId="ADAL" clId="{A5DF6FD7-8000-40B2-B46A-A2B0A7504C35}" dt="2021-05-13T13:10:11.368" v="719"/>
+        <pc:sldMkLst>
+          <pc:docMk/>
+          <pc:sldMk cId="0" sldId="259"/>
+        </pc:sldMkLst>
+      </pc:sldChg>
+      <pc:sldChg chg="ord">
+        <pc:chgData name="Cynthia Enciso" userId="7915927f-c5cf-4e1f-876d-e79882ad52fa" providerId="ADAL" clId="{A5DF6FD7-8000-40B2-B46A-A2B0A7504C35}" dt="2021-05-13T13:09:10.027" v="717"/>
+        <pc:sldMkLst>
+          <pc:docMk/>
+          <pc:sldMk cId="0" sldId="260"/>
+        </pc:sldMkLst>
+      </pc:sldChg>
+      <pc:sldChg chg="addSp modSp mod">
+        <pc:chgData name="Cynthia Enciso" userId="7915927f-c5cf-4e1f-876d-e79882ad52fa" providerId="ADAL" clId="{A5DF6FD7-8000-40B2-B46A-A2B0A7504C35}" dt="2021-05-13T13:58:36.042" v="754" actId="20577"/>
+        <pc:sldMkLst>
+          <pc:docMk/>
+          <pc:sldMk cId="0" sldId="263"/>
+        </pc:sldMkLst>
+        <pc:spChg chg="add mod">
+          <ac:chgData name="Cynthia Enciso" userId="7915927f-c5cf-4e1f-876d-e79882ad52fa" providerId="ADAL" clId="{A5DF6FD7-8000-40B2-B46A-A2B0A7504C35}" dt="2021-05-13T13:58:36.042" v="754" actId="20577"/>
+          <ac:spMkLst>
+            <pc:docMk/>
+            <pc:sldMk cId="0" sldId="263"/>
+            <ac:spMk id="2" creationId="{5C5A2562-1FAD-487B-95C6-159422001AAD}"/>
+          </ac:spMkLst>
+        </pc:spChg>
+      </pc:sldChg>
+      <pc:sldChg chg="modSp del mod">
+        <pc:chgData name="Cynthia Enciso" userId="7915927f-c5cf-4e1f-876d-e79882ad52fa" providerId="ADAL" clId="{A5DF6FD7-8000-40B2-B46A-A2B0A7504C35}" dt="2021-05-13T15:09:37.501" v="756" actId="47"/>
+        <pc:sldMkLst>
+          <pc:docMk/>
+          <pc:sldMk cId="0" sldId="265"/>
+        </pc:sldMkLst>
+        <pc:spChg chg="mod">
+          <ac:chgData name="Cynthia Enciso" userId="7915927f-c5cf-4e1f-876d-e79882ad52fa" providerId="ADAL" clId="{A5DF6FD7-8000-40B2-B46A-A2B0A7504C35}" dt="2021-05-13T15:03:53.591" v="755" actId="20577"/>
+          <ac:spMkLst>
+            <pc:docMk/>
+            <pc:sldMk cId="0" sldId="265"/>
+            <ac:spMk id="275" creationId="{00000000-0000-0000-0000-000000000000}"/>
+          </ac:spMkLst>
+        </pc:spChg>
+      </pc:sldChg>
+      <pc:sldChg chg="del">
+        <pc:chgData name="Cynthia Enciso" userId="7915927f-c5cf-4e1f-876d-e79882ad52fa" providerId="ADAL" clId="{A5DF6FD7-8000-40B2-B46A-A2B0A7504C35}" dt="2021-05-13T15:09:37.501" v="756" actId="47"/>
+        <pc:sldMkLst>
+          <pc:docMk/>
+          <pc:sldMk cId="0" sldId="266"/>
+        </pc:sldMkLst>
+      </pc:sldChg>
+      <pc:sldChg chg="addSp modSp mod">
+        <pc:chgData name="Cynthia Enciso" userId="7915927f-c5cf-4e1f-876d-e79882ad52fa" providerId="ADAL" clId="{A5DF6FD7-8000-40B2-B46A-A2B0A7504C35}" dt="2021-05-13T01:07:56.412" v="691" actId="20577"/>
+        <pc:sldMkLst>
+          <pc:docMk/>
+          <pc:sldMk cId="161632373" sldId="274"/>
+        </pc:sldMkLst>
+        <pc:spChg chg="add mod">
+          <ac:chgData name="Cynthia Enciso" userId="7915927f-c5cf-4e1f-876d-e79882ad52fa" providerId="ADAL" clId="{A5DF6FD7-8000-40B2-B46A-A2B0A7504C35}" dt="2021-05-13T01:07:56.412" v="691" actId="20577"/>
+          <ac:spMkLst>
+            <pc:docMk/>
+            <pc:sldMk cId="161632373" sldId="274"/>
+            <ac:spMk id="9" creationId="{03DAEC70-3A98-40F4-9BA8-7EC62A9DF887}"/>
+          </ac:spMkLst>
+        </pc:spChg>
+      </pc:sldChg>
+      <pc:sldChg chg="addSp modSp mod">
+        <pc:chgData name="Cynthia Enciso" userId="7915927f-c5cf-4e1f-876d-e79882ad52fa" providerId="ADAL" clId="{A5DF6FD7-8000-40B2-B46A-A2B0A7504C35}" dt="2021-05-13T01:08:02.824" v="702" actId="20577"/>
+        <pc:sldMkLst>
+          <pc:docMk/>
+          <pc:sldMk cId="2217254208" sldId="275"/>
+        </pc:sldMkLst>
+        <pc:spChg chg="add mod">
+          <ac:chgData name="Cynthia Enciso" userId="7915927f-c5cf-4e1f-876d-e79882ad52fa" providerId="ADAL" clId="{A5DF6FD7-8000-40B2-B46A-A2B0A7504C35}" dt="2021-05-13T01:08:02.824" v="702" actId="20577"/>
+          <ac:spMkLst>
+            <pc:docMk/>
+            <pc:sldMk cId="2217254208" sldId="275"/>
+            <ac:spMk id="3" creationId="{C3EC13CC-447D-4522-A147-EA6C7635768A}"/>
+          </ac:spMkLst>
+        </pc:spChg>
+        <pc:spChg chg="mod">
+          <ac:chgData name="Cynthia Enciso" userId="7915927f-c5cf-4e1f-876d-e79882ad52fa" providerId="ADAL" clId="{A5DF6FD7-8000-40B2-B46A-A2B0A7504C35}" dt="2021-05-13T00:37:41.840" v="671" actId="20577"/>
+          <ac:spMkLst>
+            <pc:docMk/>
+            <pc:sldMk cId="2217254208" sldId="275"/>
+            <ac:spMk id="6" creationId="{72C87E29-33CF-4D38-A874-906BF9E470BF}"/>
+          </ac:spMkLst>
+        </pc:spChg>
+      </pc:sldChg>
+      <pc:sldChg chg="addSp delSp modSp mod">
+        <pc:chgData name="Cynthia Enciso" userId="7915927f-c5cf-4e1f-876d-e79882ad52fa" providerId="ADAL" clId="{A5DF6FD7-8000-40B2-B46A-A2B0A7504C35}" dt="2021-05-12T19:06:37.231" v="667" actId="478"/>
+        <pc:sldMkLst>
+          <pc:docMk/>
+          <pc:sldMk cId="401115519" sldId="277"/>
+        </pc:sldMkLst>
+        <pc:spChg chg="add del mod">
+          <ac:chgData name="Cynthia Enciso" userId="7915927f-c5cf-4e1f-876d-e79882ad52fa" providerId="ADAL" clId="{A5DF6FD7-8000-40B2-B46A-A2B0A7504C35}" dt="2021-05-12T19:06:37.231" v="667" actId="478"/>
+          <ac:spMkLst>
+            <pc:docMk/>
+            <pc:sldMk cId="401115519" sldId="277"/>
+            <ac:spMk id="5" creationId="{BC2AC9E1-5FF1-43E6-A0E8-B98739FF59F5}"/>
+          </ac:spMkLst>
+        </pc:spChg>
+        <pc:spChg chg="add del mod">
+          <ac:chgData name="Cynthia Enciso" userId="7915927f-c5cf-4e1f-876d-e79882ad52fa" providerId="ADAL" clId="{A5DF6FD7-8000-40B2-B46A-A2B0A7504C35}" dt="2021-05-12T19:06:37.231" v="667" actId="478"/>
+          <ac:spMkLst>
+            <pc:docMk/>
+            <pc:sldMk cId="401115519" sldId="277"/>
+            <ac:spMk id="7" creationId="{00EC28CE-D4D5-492D-99E6-ADF60DAED5E0}"/>
+          </ac:spMkLst>
+        </pc:spChg>
+        <pc:spChg chg="add del mod">
+          <ac:chgData name="Cynthia Enciso" userId="7915927f-c5cf-4e1f-876d-e79882ad52fa" providerId="ADAL" clId="{A5DF6FD7-8000-40B2-B46A-A2B0A7504C35}" dt="2021-05-12T19:06:37.231" v="667" actId="478"/>
+          <ac:spMkLst>
+            <pc:docMk/>
+            <pc:sldMk cId="401115519" sldId="277"/>
+            <ac:spMk id="8" creationId="{16F8A9BF-D0A2-490B-8565-F84394B39199}"/>
+          </ac:spMkLst>
+        </pc:spChg>
+        <pc:spChg chg="add del mod">
+          <ac:chgData name="Cynthia Enciso" userId="7915927f-c5cf-4e1f-876d-e79882ad52fa" providerId="ADAL" clId="{A5DF6FD7-8000-40B2-B46A-A2B0A7504C35}" dt="2021-05-12T19:06:37.231" v="667" actId="478"/>
+          <ac:spMkLst>
+            <pc:docMk/>
+            <pc:sldMk cId="401115519" sldId="277"/>
+            <ac:spMk id="9" creationId="{8BACB54F-3215-461C-A98B-1DE17A74FF38}"/>
+          </ac:spMkLst>
+        </pc:spChg>
+        <pc:spChg chg="add del mod">
+          <ac:chgData name="Cynthia Enciso" userId="7915927f-c5cf-4e1f-876d-e79882ad52fa" providerId="ADAL" clId="{A5DF6FD7-8000-40B2-B46A-A2B0A7504C35}" dt="2021-05-12T19:06:37.231" v="667" actId="478"/>
+          <ac:spMkLst>
+            <pc:docMk/>
+            <pc:sldMk cId="401115519" sldId="277"/>
+            <ac:spMk id="10" creationId="{ED48520D-C161-42FA-91D2-F3CA20229511}"/>
+          </ac:spMkLst>
+        </pc:spChg>
+        <pc:spChg chg="add del mod">
+          <ac:chgData name="Cynthia Enciso" userId="7915927f-c5cf-4e1f-876d-e79882ad52fa" providerId="ADAL" clId="{A5DF6FD7-8000-40B2-B46A-A2B0A7504C35}" dt="2021-05-12T19:06:37.231" v="667" actId="478"/>
+          <ac:spMkLst>
+            <pc:docMk/>
+            <pc:sldMk cId="401115519" sldId="277"/>
+            <ac:spMk id="11" creationId="{79A09644-5AC3-49B4-A590-142F3077640A}"/>
+          </ac:spMkLst>
+        </pc:spChg>
+        <pc:spChg chg="add del mod">
+          <ac:chgData name="Cynthia Enciso" userId="7915927f-c5cf-4e1f-876d-e79882ad52fa" providerId="ADAL" clId="{A5DF6FD7-8000-40B2-B46A-A2B0A7504C35}" dt="2021-05-12T19:06:37.231" v="667" actId="478"/>
+          <ac:spMkLst>
+            <pc:docMk/>
+            <pc:sldMk cId="401115519" sldId="277"/>
+            <ac:spMk id="12" creationId="{58127662-FDB3-484E-8C82-4DE4158F794C}"/>
+          </ac:spMkLst>
+        </pc:spChg>
+        <pc:spChg chg="add del mod">
+          <ac:chgData name="Cynthia Enciso" userId="7915927f-c5cf-4e1f-876d-e79882ad52fa" providerId="ADAL" clId="{A5DF6FD7-8000-40B2-B46A-A2B0A7504C35}" dt="2021-05-12T18:26:09.847" v="354"/>
+          <ac:spMkLst>
+            <pc:docMk/>
+            <pc:sldMk cId="401115519" sldId="277"/>
+            <ac:spMk id="13" creationId="{3A882556-C4C2-41C1-94B6-44156227BF34}"/>
+          </ac:spMkLst>
+        </pc:spChg>
+        <pc:spChg chg="add del mod">
+          <ac:chgData name="Cynthia Enciso" userId="7915927f-c5cf-4e1f-876d-e79882ad52fa" providerId="ADAL" clId="{A5DF6FD7-8000-40B2-B46A-A2B0A7504C35}" dt="2021-05-12T19:06:37.231" v="667" actId="478"/>
+          <ac:spMkLst>
+            <pc:docMk/>
+            <pc:sldMk cId="401115519" sldId="277"/>
+            <ac:spMk id="14" creationId="{153AA97F-9544-4867-A96A-49975AB5E8E2}"/>
+          </ac:spMkLst>
+        </pc:spChg>
+        <pc:spChg chg="add del mod">
+          <ac:chgData name="Cynthia Enciso" userId="7915927f-c5cf-4e1f-876d-e79882ad52fa" providerId="ADAL" clId="{A5DF6FD7-8000-40B2-B46A-A2B0A7504C35}" dt="2021-05-12T19:06:37.231" v="667" actId="478"/>
+          <ac:spMkLst>
+            <pc:docMk/>
+            <pc:sldMk cId="401115519" sldId="277"/>
+            <ac:spMk id="15" creationId="{37E41A40-65C7-4F58-9BF1-ABAB0C95084F}"/>
+          </ac:spMkLst>
+        </pc:spChg>
+        <pc:spChg chg="add del mod">
+          <ac:chgData name="Cynthia Enciso" userId="7915927f-c5cf-4e1f-876d-e79882ad52fa" providerId="ADAL" clId="{A5DF6FD7-8000-40B2-B46A-A2B0A7504C35}" dt="2021-05-12T19:06:37.231" v="667" actId="478"/>
+          <ac:spMkLst>
+            <pc:docMk/>
+            <pc:sldMk cId="401115519" sldId="277"/>
+            <ac:spMk id="16" creationId="{DBF0276C-59F9-4DE3-BB5C-FB71F024D8FC}"/>
+          </ac:spMkLst>
+        </pc:spChg>
+        <pc:spChg chg="add del mod">
+          <ac:chgData name="Cynthia Enciso" userId="7915927f-c5cf-4e1f-876d-e79882ad52fa" providerId="ADAL" clId="{A5DF6FD7-8000-40B2-B46A-A2B0A7504C35}" dt="2021-05-12T19:06:37.231" v="667" actId="478"/>
+          <ac:spMkLst>
+            <pc:docMk/>
+            <pc:sldMk cId="401115519" sldId="277"/>
+            <ac:spMk id="17" creationId="{56DAA60E-AEED-4D1E-BAF1-D60B89B96368}"/>
+          </ac:spMkLst>
+        </pc:spChg>
+        <pc:spChg chg="add del mod">
+          <ac:chgData name="Cynthia Enciso" userId="7915927f-c5cf-4e1f-876d-e79882ad52fa" providerId="ADAL" clId="{A5DF6FD7-8000-40B2-B46A-A2B0A7504C35}" dt="2021-05-12T18:51:51.005" v="663" actId="478"/>
+          <ac:spMkLst>
+            <pc:docMk/>
+            <pc:sldMk cId="401115519" sldId="277"/>
+            <ac:spMk id="18" creationId="{F5B6587D-4033-4FF9-8573-0CDF4D84D5E1}"/>
+          </ac:spMkLst>
+        </pc:spChg>
+        <pc:spChg chg="add del">
+          <ac:chgData name="Cynthia Enciso" userId="7915927f-c5cf-4e1f-876d-e79882ad52fa" providerId="ADAL" clId="{A5DF6FD7-8000-40B2-B46A-A2B0A7504C35}" dt="2021-05-12T19:06:25.711" v="665" actId="22"/>
+          <ac:spMkLst>
+            <pc:docMk/>
+            <pc:sldMk cId="401115519" sldId="277"/>
+            <ac:spMk id="20" creationId="{AEBA135D-71F5-4C3A-B6BE-D6872FD06468}"/>
+          </ac:spMkLst>
+        </pc:spChg>
+      </pc:sldChg>
+      <pc:sldChg chg="addSp modSp mod">
+        <pc:chgData name="Cynthia Enciso" userId="7915927f-c5cf-4e1f-876d-e79882ad52fa" providerId="ADAL" clId="{A5DF6FD7-8000-40B2-B46A-A2B0A7504C35}" dt="2021-05-13T13:47:55.607" v="734" actId="5793"/>
+        <pc:sldMkLst>
+          <pc:docMk/>
+          <pc:sldMk cId="828568026" sldId="278"/>
+        </pc:sldMkLst>
+        <pc:spChg chg="add mod">
+          <ac:chgData name="Cynthia Enciso" userId="7915927f-c5cf-4e1f-876d-e79882ad52fa" providerId="ADAL" clId="{A5DF6FD7-8000-40B2-B46A-A2B0A7504C35}" dt="2021-05-13T13:47:55.607" v="734" actId="5793"/>
+          <ac:spMkLst>
+            <pc:docMk/>
+            <pc:sldMk cId="828568026" sldId="278"/>
+            <ac:spMk id="3" creationId="{AFFDEB83-A66E-4A4E-BAB1-870E0B7F82FC}"/>
+          </ac:spMkLst>
+        </pc:spChg>
+      </pc:sldChg>
+      <pc:sldChg chg="addSp modSp add del mod">
+        <pc:chgData name="Cynthia Enciso" userId="7915927f-c5cf-4e1f-876d-e79882ad52fa" providerId="ADAL" clId="{A5DF6FD7-8000-40B2-B46A-A2B0A7504C35}" dt="2021-05-13T20:48:20.141" v="757" actId="47"/>
+        <pc:sldMkLst>
+          <pc:docMk/>
+          <pc:sldMk cId="2118025839" sldId="280"/>
+        </pc:sldMkLst>
+        <pc:spChg chg="add mod">
+          <ac:chgData name="Cynthia Enciso" userId="7915927f-c5cf-4e1f-876d-e79882ad52fa" providerId="ADAL" clId="{A5DF6FD7-8000-40B2-B46A-A2B0A7504C35}" dt="2021-05-13T12:51:22.302" v="715" actId="1076"/>
+          <ac:spMkLst>
+            <pc:docMk/>
+            <pc:sldMk cId="2118025839" sldId="280"/>
+            <ac:spMk id="13" creationId="{47735A0F-0F31-459E-A4AC-84AA92B89ACC}"/>
+          </ac:spMkLst>
+        </pc:spChg>
+      </pc:sldChg>
+      <pc:sldChg chg="addSp delSp modSp new mod">
+        <pc:chgData name="Cynthia Enciso" userId="7915927f-c5cf-4e1f-876d-e79882ad52fa" providerId="ADAL" clId="{A5DF6FD7-8000-40B2-B46A-A2B0A7504C35}" dt="2021-05-13T21:09:00.823" v="784" actId="1076"/>
+        <pc:sldMkLst>
+          <pc:docMk/>
+          <pc:sldMk cId="2675953329" sldId="280"/>
+        </pc:sldMkLst>
+        <pc:spChg chg="del">
+          <ac:chgData name="Cynthia Enciso" userId="7915927f-c5cf-4e1f-876d-e79882ad52fa" providerId="ADAL" clId="{A5DF6FD7-8000-40B2-B46A-A2B0A7504C35}" dt="2021-05-13T21:06:37.891" v="759" actId="478"/>
+          <ac:spMkLst>
+            <pc:docMk/>
+            <pc:sldMk cId="2675953329" sldId="280"/>
+            <ac:spMk id="3" creationId="{CBCF5C6C-6E81-49DC-8008-DF8E74A8B8A9}"/>
+          </ac:spMkLst>
+        </pc:spChg>
+        <pc:spChg chg="add mod">
+          <ac:chgData name="Cynthia Enciso" userId="7915927f-c5cf-4e1f-876d-e79882ad52fa" providerId="ADAL" clId="{A5DF6FD7-8000-40B2-B46A-A2B0A7504C35}" dt="2021-05-13T21:06:42.714" v="761" actId="13822"/>
+          <ac:spMkLst>
+            <pc:docMk/>
+            <pc:sldMk cId="2675953329" sldId="280"/>
+            <ac:spMk id="5" creationId="{1BB1D7CF-36ED-426C-AF8C-F899B2DC8C5C}"/>
+          </ac:spMkLst>
+        </pc:spChg>
+        <pc:spChg chg="add mod">
+          <ac:chgData name="Cynthia Enciso" userId="7915927f-c5cf-4e1f-876d-e79882ad52fa" providerId="ADAL" clId="{A5DF6FD7-8000-40B2-B46A-A2B0A7504C35}" dt="2021-05-13T21:07:32.670" v="770" actId="14100"/>
+          <ac:spMkLst>
+            <pc:docMk/>
+            <pc:sldMk cId="2675953329" sldId="280"/>
+            <ac:spMk id="6" creationId="{1ABE50C8-E47E-4CC8-A329-20BD33C449B1}"/>
+          </ac:spMkLst>
+        </pc:spChg>
+        <pc:spChg chg="add mod">
+          <ac:chgData name="Cynthia Enciso" userId="7915927f-c5cf-4e1f-876d-e79882ad52fa" providerId="ADAL" clId="{A5DF6FD7-8000-40B2-B46A-A2B0A7504C35}" dt="2021-05-13T21:07:22.878" v="765" actId="1076"/>
+          <ac:spMkLst>
+            <pc:docMk/>
+            <pc:sldMk cId="2675953329" sldId="280"/>
+            <ac:spMk id="7" creationId="{14A97818-23E6-446C-AC14-D0A74D3CCFCC}"/>
+          </ac:spMkLst>
+        </pc:spChg>
+        <pc:spChg chg="add mod">
+          <ac:chgData name="Cynthia Enciso" userId="7915927f-c5cf-4e1f-876d-e79882ad52fa" providerId="ADAL" clId="{A5DF6FD7-8000-40B2-B46A-A2B0A7504C35}" dt="2021-05-13T21:07:24.971" v="766" actId="571"/>
+          <ac:spMkLst>
+            <pc:docMk/>
+            <pc:sldMk cId="2675953329" sldId="280"/>
+            <ac:spMk id="8" creationId="{1E819EEF-8215-4759-8EAF-EAD2218B1FB6}"/>
+          </ac:spMkLst>
+        </pc:spChg>
+        <pc:spChg chg="add mod">
+          <ac:chgData name="Cynthia Enciso" userId="7915927f-c5cf-4e1f-876d-e79882ad52fa" providerId="ADAL" clId="{A5DF6FD7-8000-40B2-B46A-A2B0A7504C35}" dt="2021-05-13T21:07:26.071" v="767" actId="571"/>
+          <ac:spMkLst>
+            <pc:docMk/>
+            <pc:sldMk cId="2675953329" sldId="280"/>
+            <ac:spMk id="9" creationId="{5850E483-D930-4C04-B412-79CA45D1AC8C}"/>
+          </ac:spMkLst>
+        </pc:spChg>
+        <pc:spChg chg="add mod">
+          <ac:chgData name="Cynthia Enciso" userId="7915927f-c5cf-4e1f-876d-e79882ad52fa" providerId="ADAL" clId="{A5DF6FD7-8000-40B2-B46A-A2B0A7504C35}" dt="2021-05-13T21:07:27.290" v="768" actId="571"/>
+          <ac:spMkLst>
+            <pc:docMk/>
+            <pc:sldMk cId="2675953329" sldId="280"/>
+            <ac:spMk id="10" creationId="{E1F90C20-0381-4F46-86C4-445E6E868350}"/>
+          </ac:spMkLst>
+        </pc:spChg>
+        <pc:spChg chg="add mod">
+          <ac:chgData name="Cynthia Enciso" userId="7915927f-c5cf-4e1f-876d-e79882ad52fa" providerId="ADAL" clId="{A5DF6FD7-8000-40B2-B46A-A2B0A7504C35}" dt="2021-05-13T21:07:29.794" v="769" actId="571"/>
+          <ac:spMkLst>
+            <pc:docMk/>
+            <pc:sldMk cId="2675953329" sldId="280"/>
+            <ac:spMk id="11" creationId="{03ECB692-08BE-4332-A356-DD47D370E3A8}"/>
+          </ac:spMkLst>
+        </pc:spChg>
+        <pc:spChg chg="add mod">
+          <ac:chgData name="Cynthia Enciso" userId="7915927f-c5cf-4e1f-876d-e79882ad52fa" providerId="ADAL" clId="{A5DF6FD7-8000-40B2-B46A-A2B0A7504C35}" dt="2021-05-13T21:08:08.110" v="775" actId="14100"/>
+          <ac:spMkLst>
+            <pc:docMk/>
+            <pc:sldMk cId="2675953329" sldId="280"/>
+            <ac:spMk id="12" creationId="{139B5649-7922-42CC-90E1-9C8F00DB11E8}"/>
+          </ac:spMkLst>
+        </pc:spChg>
+        <pc:spChg chg="add mod">
+          <ac:chgData name="Cynthia Enciso" userId="7915927f-c5cf-4e1f-876d-e79882ad52fa" providerId="ADAL" clId="{A5DF6FD7-8000-40B2-B46A-A2B0A7504C35}" dt="2021-05-13T21:08:42.485" v="779" actId="1076"/>
+          <ac:spMkLst>
+            <pc:docMk/>
+            <pc:sldMk cId="2675953329" sldId="280"/>
+            <ac:spMk id="13" creationId="{A108B2E6-09A8-4E0A-84B2-80BD7AC04147}"/>
+          </ac:spMkLst>
+        </pc:spChg>
+        <pc:spChg chg="add mod">
+          <ac:chgData name="Cynthia Enciso" userId="7915927f-c5cf-4e1f-876d-e79882ad52fa" providerId="ADAL" clId="{A5DF6FD7-8000-40B2-B46A-A2B0A7504C35}" dt="2021-05-13T21:09:00.823" v="784" actId="1076"/>
+          <ac:spMkLst>
+            <pc:docMk/>
+            <pc:sldMk cId="2675953329" sldId="280"/>
+            <ac:spMk id="17" creationId="{87B37B94-B12E-46E4-98C5-A102FFB69452}"/>
+          </ac:spMkLst>
+        </pc:spChg>
+        <pc:cxnChg chg="add mod">
+          <ac:chgData name="Cynthia Enciso" userId="7915927f-c5cf-4e1f-876d-e79882ad52fa" providerId="ADAL" clId="{A5DF6FD7-8000-40B2-B46A-A2B0A7504C35}" dt="2021-05-13T21:08:41.357" v="778" actId="14100"/>
+          <ac:cxnSpMkLst>
+            <pc:docMk/>
+            <pc:sldMk cId="2675953329" sldId="280"/>
+            <ac:cxnSpMk id="15" creationId="{62F06C4F-5EC5-44C4-92A3-A8EA05733A34}"/>
+          </ac:cxnSpMkLst>
+        </pc:cxnChg>
+        <pc:cxnChg chg="add del mod">
+          <ac:chgData name="Cynthia Enciso" userId="7915927f-c5cf-4e1f-876d-e79882ad52fa" providerId="ADAL" clId="{A5DF6FD7-8000-40B2-B46A-A2B0A7504C35}" dt="2021-05-13T21:08:54.386" v="783" actId="478"/>
+          <ac:cxnSpMkLst>
+            <pc:docMk/>
+            <pc:sldMk cId="2675953329" sldId="280"/>
+            <ac:cxnSpMk id="18" creationId="{37CF9E88-0FC8-4355-B7BE-B0499C706A27}"/>
+          </ac:cxnSpMkLst>
+        </pc:cxnChg>
+      </pc:sldChg>
+    </pc:docChg>
+  </pc:docChgLst>
+  <pc:docChgLst>
     <pc:chgData name="Cynthia Enciso" userId="7915927f-c5cf-4e1f-876d-e79882ad52fa" providerId="ADAL" clId="{AAEA3E75-A5E5-4037-B7DF-D30820629B19}"/>
     <pc:docChg chg="custSel addSld modSld sldOrd">
       <pc:chgData name="Cynthia Enciso" userId="7915927f-c5cf-4e1f-876d-e79882ad52fa" providerId="ADAL" clId="{AAEA3E75-A5E5-4037-B7DF-D30820629B19}" dt="2021-06-17T21:08:05.813" v="609" actId="1076"/>
@@ -1848,6 +1816,38 @@
             <pc:docMk/>
             <pc:sldMk cId="3541185766" sldId="281"/>
             <ac:spMk id="3" creationId="{C9C37168-9323-4271-B5C0-B148716F49FB}"/>
+          </ac:spMkLst>
+        </pc:spChg>
+      </pc:sldChg>
+    </pc:docChg>
+  </pc:docChgLst>
+  <pc:docChgLst>
+    <pc:chgData name="Cynthia Enciso" userId="7915927f-c5cf-4e1f-876d-e79882ad52fa" providerId="ADAL" clId="{007E3B92-AEC5-49E9-A0ED-D9E41C77BCEC}"/>
+    <pc:docChg chg="custSel modSld">
+      <pc:chgData name="Cynthia Enciso" userId="7915927f-c5cf-4e1f-876d-e79882ad52fa" providerId="ADAL" clId="{007E3B92-AEC5-49E9-A0ED-D9E41C77BCEC}" dt="2021-12-14T21:48:58.242" v="2"/>
+      <pc:docMkLst>
+        <pc:docMk/>
+      </pc:docMkLst>
+      <pc:sldChg chg="addSp delSp modSp mod">
+        <pc:chgData name="Cynthia Enciso" userId="7915927f-c5cf-4e1f-876d-e79882ad52fa" providerId="ADAL" clId="{007E3B92-AEC5-49E9-A0ED-D9E41C77BCEC}" dt="2021-12-14T21:48:58.242" v="2"/>
+        <pc:sldMkLst>
+          <pc:docMk/>
+          <pc:sldMk cId="0" sldId="259"/>
+        </pc:sldMkLst>
+        <pc:spChg chg="add mod">
+          <ac:chgData name="Cynthia Enciso" userId="7915927f-c5cf-4e1f-876d-e79882ad52fa" providerId="ADAL" clId="{007E3B92-AEC5-49E9-A0ED-D9E41C77BCEC}" dt="2021-12-14T21:48:58.242" v="2"/>
+          <ac:spMkLst>
+            <pc:docMk/>
+            <pc:sldMk cId="0" sldId="259"/>
+            <ac:spMk id="6" creationId="{9CB3CF3A-4EB5-4C02-A6F6-3ED9D20DEDAC}"/>
+          </ac:spMkLst>
+        </pc:spChg>
+        <pc:spChg chg="del mod">
+          <ac:chgData name="Cynthia Enciso" userId="7915927f-c5cf-4e1f-876d-e79882ad52fa" providerId="ADAL" clId="{007E3B92-AEC5-49E9-A0ED-D9E41C77BCEC}" dt="2021-12-14T21:48:57.965" v="1" actId="478"/>
+          <ac:spMkLst>
+            <pc:docMk/>
+            <pc:sldMk cId="0" sldId="259"/>
+            <ac:spMk id="7" creationId="{E58A825B-5F0A-4223-9EE9-4074AE300333}"/>
           </ac:spMkLst>
         </pc:spChg>
       </pc:sldChg>
@@ -29476,7 +29476,7 @@
         </p:blipFill>
         <p:spPr>
           <a:xfrm>
-            <a:off x="166900" y="1481446"/>
+            <a:off x="174228" y="1408528"/>
             <a:ext cx="8810200" cy="4671797"/>
           </a:xfrm>
           <a:prstGeom prst="rect">
@@ -29831,7 +29831,7 @@
         <p:spPr>
           <a:xfrm>
             <a:off x="159572" y="2707584"/>
-            <a:ext cx="8826500" cy="5951538"/>
+            <a:ext cx="8826500" cy="3428173"/>
           </a:xfrm>
         </p:spPr>
         <p:txBody>
@@ -31518,7 +31518,7 @@
         <p:spPr>
           <a:xfrm>
             <a:off x="159572" y="2707584"/>
-            <a:ext cx="8826500" cy="5951538"/>
+            <a:ext cx="8826500" cy="3414920"/>
           </a:xfrm>
         </p:spPr>
         <p:txBody>
@@ -32871,7 +32871,7 @@
         <p:spPr>
           <a:xfrm>
             <a:off x="159572" y="2707584"/>
-            <a:ext cx="8826500" cy="5951538"/>
+            <a:ext cx="8826500" cy="3428173"/>
           </a:xfrm>
         </p:spPr>
         <p:txBody>
@@ -34883,7 +34883,7 @@
         <p:spPr>
           <a:xfrm>
             <a:off x="159572" y="2707584"/>
-            <a:ext cx="8826500" cy="5951538"/>
+            <a:ext cx="8826500" cy="3520938"/>
           </a:xfrm>
         </p:spPr>
         <p:txBody>
@@ -38733,7 +38733,7 @@
         <p:spPr>
           <a:xfrm>
             <a:off x="159572" y="2707584"/>
-            <a:ext cx="8826500" cy="5951538"/>
+            <a:ext cx="8826500" cy="3481181"/>
           </a:xfrm>
         </p:spPr>
         <p:txBody>

--- a/revised-ppts/Day 16 PPT.pptx
+++ b/revised-ppts/Day 16 PPT.pptx
@@ -29,12 +29,12 @@
     <p:sldId id="262" r:id="rId20"/>
     <p:sldId id="293" r:id="rId21"/>
     <p:sldId id="291" r:id="rId22"/>
-    <p:sldId id="285" r:id="rId23"/>
-    <p:sldId id="263" r:id="rId24"/>
-    <p:sldId id="292" r:id="rId25"/>
-    <p:sldId id="264" r:id="rId26"/>
-    <p:sldId id="286" r:id="rId27"/>
-    <p:sldId id="287" r:id="rId28"/>
+    <p:sldId id="294" r:id="rId23"/>
+    <p:sldId id="285" r:id="rId24"/>
+    <p:sldId id="263" r:id="rId25"/>
+    <p:sldId id="292" r:id="rId26"/>
+    <p:sldId id="264" r:id="rId27"/>
+    <p:sldId id="286" r:id="rId28"/>
     <p:sldId id="272" r:id="rId29"/>
   </p:sldIdLst>
   <p:sldSz cx="9144000" cy="6858000" type="screen4x3"/>
@@ -384,7 +384,7 @@
 <file path=ppt/revisionInfo.xml><?xml version="1.0" encoding="utf-8"?>
 <p1510:revInfo xmlns:a="http://schemas.openxmlformats.org/drawingml/2006/main" xmlns:r="http://schemas.openxmlformats.org/officeDocument/2006/relationships" xmlns:p1510="http://schemas.microsoft.com/office/powerpoint/2015/10/main">
   <p1510:revLst>
-    <p1510:client id="{007E3B92-AEC5-49E9-A0ED-D9E41C77BCEC}" v="1" dt="2021-12-14T21:48:58.242"/>
+    <p1510:client id="{007E3B92-AEC5-49E9-A0ED-D9E41C77BCEC}" v="2" dt="2021-12-27T20:42:27.477"/>
   </p1510:revLst>
 </p1510:revInfo>
 </file>
@@ -1822,9 +1822,96 @@
     </pc:docChg>
   </pc:docChgLst>
   <pc:docChgLst>
+    <pc:chgData name="Joseph Highe" userId="S::joseph.highe@revature.com::955b9bf1-2fc3-425c-bb80-056211376f04" providerId="AD" clId="Web-{10C310BF-F551-0215-7D17-CE173A4BBDCC}"/>
+    <pc:docChg chg="addSld modSld">
+      <pc:chgData name="Joseph Highe" userId="S::joseph.highe@revature.com::955b9bf1-2fc3-425c-bb80-056211376f04" providerId="AD" clId="Web-{10C310BF-F551-0215-7D17-CE173A4BBDCC}" dt="2021-12-24T17:05:49.331" v="459" actId="14100"/>
+      <pc:docMkLst>
+        <pc:docMk/>
+      </pc:docMkLst>
+      <pc:sldChg chg="modSp">
+        <pc:chgData name="Joseph Highe" userId="S::joseph.highe@revature.com::955b9bf1-2fc3-425c-bb80-056211376f04" providerId="AD" clId="Web-{10C310BF-F551-0215-7D17-CE173A4BBDCC}" dt="2021-12-24T16:48:27.462" v="49" actId="20577"/>
+        <pc:sldMkLst>
+          <pc:docMk/>
+          <pc:sldMk cId="0" sldId="262"/>
+        </pc:sldMkLst>
+        <pc:spChg chg="mod">
+          <ac:chgData name="Joseph Highe" userId="S::joseph.highe@revature.com::955b9bf1-2fc3-425c-bb80-056211376f04" providerId="AD" clId="Web-{10C310BF-F551-0215-7D17-CE173A4BBDCC}" dt="2021-12-24T16:48:18.853" v="47" actId="1076"/>
+          <ac:spMkLst>
+            <pc:docMk/>
+            <pc:sldMk cId="0" sldId="262"/>
+            <ac:spMk id="6" creationId="{5CCE257A-38BD-4F10-8176-6373BF55BA2A}"/>
+          </ac:spMkLst>
+        </pc:spChg>
+        <pc:spChg chg="mod">
+          <ac:chgData name="Joseph Highe" userId="S::joseph.highe@revature.com::955b9bf1-2fc3-425c-bb80-056211376f04" providerId="AD" clId="Web-{10C310BF-F551-0215-7D17-CE173A4BBDCC}" dt="2021-12-24T16:48:23.134" v="48" actId="1076"/>
+          <ac:spMkLst>
+            <pc:docMk/>
+            <pc:sldMk cId="0" sldId="262"/>
+            <ac:spMk id="7" creationId="{1A3779DF-3EE1-4B7F-8555-C8D3593FFED9}"/>
+          </ac:spMkLst>
+        </pc:spChg>
+        <pc:spChg chg="mod">
+          <ac:chgData name="Joseph Highe" userId="S::joseph.highe@revature.com::955b9bf1-2fc3-425c-bb80-056211376f04" providerId="AD" clId="Web-{10C310BF-F551-0215-7D17-CE173A4BBDCC}" dt="2021-12-24T16:48:27.462" v="49" actId="20577"/>
+          <ac:spMkLst>
+            <pc:docMk/>
+            <pc:sldMk cId="0" sldId="262"/>
+            <ac:spMk id="254" creationId="{00000000-0000-0000-0000-000000000000}"/>
+          </ac:spMkLst>
+        </pc:spChg>
+      </pc:sldChg>
+      <pc:sldChg chg="addSp delSp modSp add replId">
+        <pc:chgData name="Joseph Highe" userId="S::joseph.highe@revature.com::955b9bf1-2fc3-425c-bb80-056211376f04" providerId="AD" clId="Web-{10C310BF-F551-0215-7D17-CE173A4BBDCC}" dt="2021-12-24T17:05:49.331" v="459" actId="14100"/>
+        <pc:sldMkLst>
+          <pc:docMk/>
+          <pc:sldMk cId="2163507849" sldId="294"/>
+        </pc:sldMkLst>
+        <pc:spChg chg="del">
+          <ac:chgData name="Joseph Highe" userId="S::joseph.highe@revature.com::955b9bf1-2fc3-425c-bb80-056211376f04" providerId="AD" clId="Web-{10C310BF-F551-0215-7D17-CE173A4BBDCC}" dt="2021-12-24T16:49:41.338" v="51"/>
+          <ac:spMkLst>
+            <pc:docMk/>
+            <pc:sldMk cId="2163507849" sldId="294"/>
+            <ac:spMk id="3" creationId="{CA870295-970A-4734-B83A-E32B1B7CC83E}"/>
+          </ac:spMkLst>
+        </pc:spChg>
+        <pc:spChg chg="add del mod">
+          <ac:chgData name="Joseph Highe" userId="S::joseph.highe@revature.com::955b9bf1-2fc3-425c-bb80-056211376f04" providerId="AD" clId="Web-{10C310BF-F551-0215-7D17-CE173A4BBDCC}" dt="2021-12-24T16:49:46.854" v="54"/>
+          <ac:spMkLst>
+            <pc:docMk/>
+            <pc:sldMk cId="2163507849" sldId="294"/>
+            <ac:spMk id="6" creationId="{3695CAE3-7743-4864-B857-15D12125EA95}"/>
+          </ac:spMkLst>
+        </pc:spChg>
+        <pc:spChg chg="add del mod">
+          <ac:chgData name="Joseph Highe" userId="S::joseph.highe@revature.com::955b9bf1-2fc3-425c-bb80-056211376f04" providerId="AD" clId="Web-{10C310BF-F551-0215-7D17-CE173A4BBDCC}" dt="2021-12-24T16:55:58.161" v="188"/>
+          <ac:spMkLst>
+            <pc:docMk/>
+            <pc:sldMk cId="2163507849" sldId="294"/>
+            <ac:spMk id="8" creationId="{F6A7CD23-4176-4A80-ACAE-55590C8BBFFA}"/>
+          </ac:spMkLst>
+        </pc:spChg>
+        <pc:spChg chg="add mod">
+          <ac:chgData name="Joseph Highe" userId="S::joseph.highe@revature.com::955b9bf1-2fc3-425c-bb80-056211376f04" providerId="AD" clId="Web-{10C310BF-F551-0215-7D17-CE173A4BBDCC}" dt="2021-12-24T17:05:34.456" v="457" actId="1076"/>
+          <ac:spMkLst>
+            <pc:docMk/>
+            <pc:sldMk cId="2163507849" sldId="294"/>
+            <ac:spMk id="10" creationId="{AB67DE77-F187-47EC-A611-083F2D66EAE7}"/>
+          </ac:spMkLst>
+        </pc:spChg>
+        <pc:spChg chg="add mod">
+          <ac:chgData name="Joseph Highe" userId="S::joseph.highe@revature.com::955b9bf1-2fc3-425c-bb80-056211376f04" providerId="AD" clId="Web-{10C310BF-F551-0215-7D17-CE173A4BBDCC}" dt="2021-12-24T17:05:49.331" v="459" actId="14100"/>
+          <ac:spMkLst>
+            <pc:docMk/>
+            <pc:sldMk cId="2163507849" sldId="294"/>
+            <ac:spMk id="11" creationId="{9CC98ADD-CAB9-47EB-87D6-4AF431D707D9}"/>
+          </ac:spMkLst>
+        </pc:spChg>
+      </pc:sldChg>
+    </pc:docChg>
+  </pc:docChgLst>
+  <pc:docChgLst>
     <pc:chgData name="Cynthia Enciso" userId="7915927f-c5cf-4e1f-876d-e79882ad52fa" providerId="ADAL" clId="{007E3B92-AEC5-49E9-A0ED-D9E41C77BCEC}"/>
     <pc:docChg chg="custSel modSld">
-      <pc:chgData name="Cynthia Enciso" userId="7915927f-c5cf-4e1f-876d-e79882ad52fa" providerId="ADAL" clId="{007E3B92-AEC5-49E9-A0ED-D9E41C77BCEC}" dt="2021-12-14T21:48:58.242" v="2"/>
+      <pc:chgData name="Cynthia Enciso" userId="7915927f-c5cf-4e1f-876d-e79882ad52fa" providerId="ADAL" clId="{007E3B92-AEC5-49E9-A0ED-D9E41C77BCEC}" dt="2021-12-27T20:43:27.215" v="115" actId="20577"/>
       <pc:docMkLst>
         <pc:docMk/>
       </pc:docMkLst>
@@ -1848,6 +1935,21 @@
             <pc:docMk/>
             <pc:sldMk cId="0" sldId="259"/>
             <ac:spMk id="7" creationId="{E58A825B-5F0A-4223-9EE9-4074AE300333}"/>
+          </ac:spMkLst>
+        </pc:spChg>
+      </pc:sldChg>
+      <pc:sldChg chg="modSp mod">
+        <pc:chgData name="Cynthia Enciso" userId="7915927f-c5cf-4e1f-876d-e79882ad52fa" providerId="ADAL" clId="{007E3B92-AEC5-49E9-A0ED-D9E41C77BCEC}" dt="2021-12-27T20:43:27.215" v="115" actId="20577"/>
+        <pc:sldMkLst>
+          <pc:docMk/>
+          <pc:sldMk cId="0" sldId="261"/>
+        </pc:sldMkLst>
+        <pc:spChg chg="mod">
+          <ac:chgData name="Cynthia Enciso" userId="7915927f-c5cf-4e1f-876d-e79882ad52fa" providerId="ADAL" clId="{007E3B92-AEC5-49E9-A0ED-D9E41C77BCEC}" dt="2021-12-27T20:43:27.215" v="115" actId="20577"/>
+          <ac:spMkLst>
+            <pc:docMk/>
+            <pc:sldMk cId="0" sldId="261"/>
+            <ac:spMk id="247" creationId="{00000000-0000-0000-0000-000000000000}"/>
           </ac:spMkLst>
         </pc:spChg>
       </pc:sldChg>
@@ -29476,7 +29578,7 @@
         </p:blipFill>
         <p:spPr>
           <a:xfrm>
-            <a:off x="174228" y="1408528"/>
+            <a:off x="166900" y="1481446"/>
             <a:ext cx="8810200" cy="4671797"/>
           </a:xfrm>
           <a:prstGeom prst="rect">
@@ -29831,7 +29933,7 @@
         <p:spPr>
           <a:xfrm>
             <a:off x="159572" y="2707584"/>
-            <a:ext cx="8826500" cy="3428173"/>
+            <a:ext cx="8826500" cy="3375164"/>
           </a:xfrm>
         </p:spPr>
         <p:txBody>
@@ -31338,6 +31440,27 @@
               <a:rPr lang="en-US" dirty="0"/>
               <a:t> is a utility class filled with static methods that can be run with Collection subclasses.</a:t>
             </a:r>
+          </a:p>
+          <a:p>
+            <a:pPr marL="800100" lvl="1" indent="-342900">
+              <a:spcBef>
+                <a:spcPts val="560"/>
+              </a:spcBef>
+              <a:buSzPts val="2800"/>
+              <a:buChar char="•"/>
+            </a:pPr>
+            <a:r>
+              <a:rPr lang="en-US" dirty="0"/>
+              <a:t>The Array</a:t>
+            </a:r>
+            <a:r>
+              <a:rPr lang="en-US" b="1" i="1" u="sng" dirty="0"/>
+              <a:t>s</a:t>
+            </a:r>
+            <a:r>
+              <a:rPr lang="en-US" dirty="0"/>
+              <a:t> class is also a utility class that is useful for working with arrays.</a:t>
+            </a:r>
             <a:endParaRPr dirty="0"/>
           </a:p>
           <a:p>
@@ -31373,6 +31496,13 @@
               </a:rPr>
               <a:t>https://docs.oracle.com/javase/8/docs/api/java/util/Collections.html</a:t>
             </a:r>
+            <a:br>
+              <a:rPr lang="en-US" sz="2000" u="sng" dirty="0">
+                <a:solidFill>
+                  <a:schemeClr val="hlink"/>
+                </a:solidFill>
+              </a:rPr>
+            </a:br>
             <a:endParaRPr sz="2000" dirty="0"/>
           </a:p>
           <a:p>
@@ -31518,7 +31648,7 @@
         <p:spPr>
           <a:xfrm>
             <a:off x="159572" y="2707584"/>
-            <a:ext cx="8826500" cy="3414920"/>
+            <a:ext cx="8826500" cy="3401668"/>
           </a:xfrm>
         </p:spPr>
         <p:txBody>
@@ -31881,8 +32011,24 @@
             </a:pPr>
             <a:r>
               <a:rPr lang="en-US" dirty="0"/>
-              <a:t>When you create a collection, you specify the type of objects that it will hold</a:t>
-            </a:r>
+              <a:t>When you create a collection, you specify the type of objects it will hold. This is due to the use of </a:t>
+            </a:r>
+            <a:r>
+              <a:rPr lang="en-US" b="1" i="1" dirty="0"/>
+              <a:t>Generics </a:t>
+            </a:r>
+            <a:r>
+              <a:rPr lang="en-US" dirty="0"/>
+              <a:t>in Collections. More on this soon!</a:t>
+            </a:r>
+          </a:p>
+          <a:p>
+            <a:pPr marL="342900" indent="-342900">
+              <a:spcBef>
+                <a:spcPts val="0"/>
+              </a:spcBef>
+            </a:pPr>
+            <a:endParaRPr lang="en-US" dirty="0"/>
           </a:p>
           <a:p>
             <a:pPr marL="342900" indent="-342900">
@@ -31990,7 +32136,7 @@
         </p:nvSpPr>
         <p:spPr>
           <a:xfrm>
-            <a:off x="14908" y="4365358"/>
+            <a:off x="-1839" y="5118984"/>
             <a:ext cx="9114183" cy="523220"/>
           </a:xfrm>
           <a:prstGeom prst="rect">
@@ -32057,7 +32203,7 @@
         </p:nvSpPr>
         <p:spPr>
           <a:xfrm>
-            <a:off x="551075" y="2525100"/>
+            <a:off x="618063" y="2994023"/>
             <a:ext cx="7374835" cy="523220"/>
           </a:xfrm>
           <a:prstGeom prst="rect">
@@ -32816,6 +32962,1385 @@
       </p:grpSpPr>
       <p:sp>
         <p:nvSpPr>
+          <p:cNvPr id="2" name="Title 1">
+            <a:extLst>
+              <a:ext uri="{FF2B5EF4-FFF2-40B4-BE49-F238E27FC236}">
+                <a16:creationId xmlns:a16="http://schemas.microsoft.com/office/drawing/2014/main" id="{BCE5D8CE-19BF-4DCF-967D-440B176002BD}"/>
+              </a:ext>
+            </a:extLst>
+          </p:cNvPr>
+          <p:cNvSpPr>
+            <a:spLocks noGrp="1"/>
+          </p:cNvSpPr>
+          <p:nvPr>
+            <p:ph type="title"/>
+          </p:nvPr>
+        </p:nvSpPr>
+        <p:spPr/>
+        <p:txBody>
+          <a:bodyPr/>
+          <a:lstStyle/>
+          <a:p>
+            <a:r>
+              <a:rPr lang="en-US" dirty="0"/>
+              <a:t>Generics</a:t>
+            </a:r>
+          </a:p>
+        </p:txBody>
+      </p:sp>
+      <p:sp>
+        <p:nvSpPr>
+          <p:cNvPr id="4" name="Slide Number Placeholder 3">
+            <a:extLst>
+              <a:ext uri="{FF2B5EF4-FFF2-40B4-BE49-F238E27FC236}">
+                <a16:creationId xmlns:a16="http://schemas.microsoft.com/office/drawing/2014/main" id="{A16AB514-1132-4928-9942-2A9DF76B5C94}"/>
+              </a:ext>
+            </a:extLst>
+          </p:cNvPr>
+          <p:cNvSpPr>
+            <a:spLocks noGrp="1"/>
+          </p:cNvSpPr>
+          <p:nvPr>
+            <p:ph type="sldNum" idx="12"/>
+          </p:nvPr>
+        </p:nvSpPr>
+        <p:spPr/>
+        <p:txBody>
+          <a:bodyPr/>
+          <a:lstStyle/>
+          <a:p>
+            <a:pPr marL="0" lvl="0" indent="0" algn="r" rtl="0">
+              <a:spcBef>
+                <a:spcPts val="0"/>
+              </a:spcBef>
+              <a:spcAft>
+                <a:spcPts val="0"/>
+              </a:spcAft>
+              <a:buNone/>
+            </a:pPr>
+            <a:fld id="{00000000-1234-1234-1234-123412341234}" type="slidenum">
+              <a:rPr lang="en-US" smtClean="0"/>
+              <a:t>21</a:t>
+            </a:fld>
+            <a:endParaRPr lang="en-US"/>
+          </a:p>
+        </p:txBody>
+      </p:sp>
+      <p:sp>
+        <p:nvSpPr>
+          <p:cNvPr id="10" name="Text Placeholder 5">
+            <a:extLst>
+              <a:ext uri="{FF2B5EF4-FFF2-40B4-BE49-F238E27FC236}">
+                <a16:creationId xmlns:a16="http://schemas.microsoft.com/office/drawing/2014/main" id="{AB67DE77-F187-47EC-A611-083F2D66EAE7}"/>
+              </a:ext>
+            </a:extLst>
+          </p:cNvPr>
+          <p:cNvSpPr txBox="1">
+            <a:spLocks/>
+          </p:cNvSpPr>
+          <p:nvPr/>
+        </p:nvSpPr>
+        <p:spPr>
+          <a:xfrm>
+            <a:off x="377287" y="1479032"/>
+            <a:ext cx="4302187" cy="2808020"/>
+          </a:xfrm>
+          <a:prstGeom prst="rect">
+            <a:avLst/>
+          </a:prstGeom>
+        </p:spPr>
+        <p:style>
+          <a:lnRef idx="1">
+            <a:schemeClr val="accent2"/>
+          </a:lnRef>
+          <a:fillRef idx="2">
+            <a:schemeClr val="accent2"/>
+          </a:fillRef>
+          <a:effectRef idx="1">
+            <a:schemeClr val="accent2"/>
+          </a:effectRef>
+          <a:fontRef idx="minor">
+            <a:schemeClr val="dk1"/>
+          </a:fontRef>
+        </p:style>
+        <p:txBody>
+          <a:bodyPr lIns="91440" tIns="45720" rIns="91440" bIns="45720" anchor="t"/>
+          <a:lstStyle>
+            <a:defPPr marR="0" lvl="0" algn="l" rtl="0">
+              <a:lnSpc>
+                <a:spcPct val="100000"/>
+              </a:lnSpc>
+              <a:spcBef>
+                <a:spcPts val="0"/>
+              </a:spcBef>
+              <a:spcAft>
+                <a:spcPts val="0"/>
+              </a:spcAft>
+            </a:defPPr>
+            <a:lvl1pPr marR="0" lvl="0" algn="l" rtl="0">
+              <a:lnSpc>
+                <a:spcPct val="100000"/>
+              </a:lnSpc>
+              <a:spcBef>
+                <a:spcPts val="0"/>
+              </a:spcBef>
+              <a:spcAft>
+                <a:spcPts val="0"/>
+              </a:spcAft>
+              <a:buClr>
+                <a:srgbClr val="000000"/>
+              </a:buClr>
+              <a:buFont typeface="Arial"/>
+              <a:defRPr sz="1400" b="0" i="0" u="none" strike="noStrike" cap="none">
+                <a:solidFill>
+                  <a:schemeClr val="dk1"/>
+                </a:solidFill>
+                <a:latin typeface="+mn-lt"/>
+                <a:ea typeface="+mn-ea"/>
+                <a:cs typeface="+mn-cs"/>
+                <a:sym typeface="Arial"/>
+              </a:defRPr>
+            </a:lvl1pPr>
+            <a:lvl2pPr marR="0" lvl="1" algn="l" rtl="0">
+              <a:lnSpc>
+                <a:spcPct val="100000"/>
+              </a:lnSpc>
+              <a:spcBef>
+                <a:spcPts val="0"/>
+              </a:spcBef>
+              <a:spcAft>
+                <a:spcPts val="0"/>
+              </a:spcAft>
+              <a:buClr>
+                <a:srgbClr val="000000"/>
+              </a:buClr>
+              <a:buFont typeface="Arial"/>
+              <a:defRPr sz="1400" b="0" i="0" u="none" strike="noStrike" cap="none">
+                <a:solidFill>
+                  <a:schemeClr val="dk1"/>
+                </a:solidFill>
+                <a:latin typeface="+mn-lt"/>
+                <a:ea typeface="+mn-ea"/>
+                <a:cs typeface="+mn-cs"/>
+                <a:sym typeface="Arial"/>
+              </a:defRPr>
+            </a:lvl2pPr>
+            <a:lvl3pPr marR="0" lvl="2" algn="l" rtl="0">
+              <a:lnSpc>
+                <a:spcPct val="100000"/>
+              </a:lnSpc>
+              <a:spcBef>
+                <a:spcPts val="0"/>
+              </a:spcBef>
+              <a:spcAft>
+                <a:spcPts val="0"/>
+              </a:spcAft>
+              <a:buClr>
+                <a:srgbClr val="000000"/>
+              </a:buClr>
+              <a:buFont typeface="Arial"/>
+              <a:defRPr sz="1400" b="0" i="0" u="none" strike="noStrike" cap="none">
+                <a:solidFill>
+                  <a:schemeClr val="dk1"/>
+                </a:solidFill>
+                <a:latin typeface="+mn-lt"/>
+                <a:ea typeface="+mn-ea"/>
+                <a:cs typeface="+mn-cs"/>
+                <a:sym typeface="Arial"/>
+              </a:defRPr>
+            </a:lvl3pPr>
+            <a:lvl4pPr marR="0" lvl="3" algn="l" rtl="0">
+              <a:lnSpc>
+                <a:spcPct val="100000"/>
+              </a:lnSpc>
+              <a:spcBef>
+                <a:spcPts val="0"/>
+              </a:spcBef>
+              <a:spcAft>
+                <a:spcPts val="0"/>
+              </a:spcAft>
+              <a:buClr>
+                <a:srgbClr val="000000"/>
+              </a:buClr>
+              <a:buFont typeface="Arial"/>
+              <a:defRPr sz="1400" b="0" i="0" u="none" strike="noStrike" cap="none">
+                <a:solidFill>
+                  <a:schemeClr val="dk1"/>
+                </a:solidFill>
+                <a:latin typeface="+mn-lt"/>
+                <a:ea typeface="+mn-ea"/>
+                <a:cs typeface="+mn-cs"/>
+                <a:sym typeface="Arial"/>
+              </a:defRPr>
+            </a:lvl4pPr>
+            <a:lvl5pPr marR="0" lvl="4" algn="l" rtl="0">
+              <a:lnSpc>
+                <a:spcPct val="100000"/>
+              </a:lnSpc>
+              <a:spcBef>
+                <a:spcPts val="0"/>
+              </a:spcBef>
+              <a:spcAft>
+                <a:spcPts val="0"/>
+              </a:spcAft>
+              <a:buClr>
+                <a:srgbClr val="000000"/>
+              </a:buClr>
+              <a:buFont typeface="Arial"/>
+              <a:defRPr sz="1400" b="0" i="0" u="none" strike="noStrike" cap="none">
+                <a:solidFill>
+                  <a:schemeClr val="dk1"/>
+                </a:solidFill>
+                <a:latin typeface="+mn-lt"/>
+                <a:ea typeface="+mn-ea"/>
+                <a:cs typeface="+mn-cs"/>
+                <a:sym typeface="Arial"/>
+              </a:defRPr>
+            </a:lvl5pPr>
+            <a:lvl6pPr marR="0" lvl="5" algn="l" rtl="0">
+              <a:lnSpc>
+                <a:spcPct val="100000"/>
+              </a:lnSpc>
+              <a:spcBef>
+                <a:spcPts val="0"/>
+              </a:spcBef>
+              <a:spcAft>
+                <a:spcPts val="0"/>
+              </a:spcAft>
+              <a:buClr>
+                <a:srgbClr val="000000"/>
+              </a:buClr>
+              <a:buFont typeface="Arial"/>
+              <a:defRPr sz="1400" b="0" i="0" u="none" strike="noStrike" cap="none">
+                <a:solidFill>
+                  <a:schemeClr val="dk1"/>
+                </a:solidFill>
+                <a:latin typeface="+mn-lt"/>
+                <a:ea typeface="+mn-ea"/>
+                <a:cs typeface="+mn-cs"/>
+                <a:sym typeface="Arial"/>
+              </a:defRPr>
+            </a:lvl6pPr>
+            <a:lvl7pPr marR="0" lvl="6" algn="l" rtl="0">
+              <a:lnSpc>
+                <a:spcPct val="100000"/>
+              </a:lnSpc>
+              <a:spcBef>
+                <a:spcPts val="0"/>
+              </a:spcBef>
+              <a:spcAft>
+                <a:spcPts val="0"/>
+              </a:spcAft>
+              <a:buClr>
+                <a:srgbClr val="000000"/>
+              </a:buClr>
+              <a:buFont typeface="Arial"/>
+              <a:defRPr sz="1400" b="0" i="0" u="none" strike="noStrike" cap="none">
+                <a:solidFill>
+                  <a:schemeClr val="dk1"/>
+                </a:solidFill>
+                <a:latin typeface="+mn-lt"/>
+                <a:ea typeface="+mn-ea"/>
+                <a:cs typeface="+mn-cs"/>
+                <a:sym typeface="Arial"/>
+              </a:defRPr>
+            </a:lvl7pPr>
+            <a:lvl8pPr marR="0" lvl="7" algn="l" rtl="0">
+              <a:lnSpc>
+                <a:spcPct val="100000"/>
+              </a:lnSpc>
+              <a:spcBef>
+                <a:spcPts val="0"/>
+              </a:spcBef>
+              <a:spcAft>
+                <a:spcPts val="0"/>
+              </a:spcAft>
+              <a:buClr>
+                <a:srgbClr val="000000"/>
+              </a:buClr>
+              <a:buFont typeface="Arial"/>
+              <a:defRPr sz="1400" b="0" i="0" u="none" strike="noStrike" cap="none">
+                <a:solidFill>
+                  <a:schemeClr val="dk1"/>
+                </a:solidFill>
+                <a:latin typeface="+mn-lt"/>
+                <a:ea typeface="+mn-ea"/>
+                <a:cs typeface="+mn-cs"/>
+                <a:sym typeface="Arial"/>
+              </a:defRPr>
+            </a:lvl8pPr>
+            <a:lvl9pPr marR="0" lvl="8" algn="l" rtl="0">
+              <a:lnSpc>
+                <a:spcPct val="100000"/>
+              </a:lnSpc>
+              <a:spcBef>
+                <a:spcPts val="0"/>
+              </a:spcBef>
+              <a:spcAft>
+                <a:spcPts val="0"/>
+              </a:spcAft>
+              <a:buClr>
+                <a:srgbClr val="000000"/>
+              </a:buClr>
+              <a:buFont typeface="Arial"/>
+              <a:defRPr sz="1400" b="0" i="0" u="none" strike="noStrike" cap="none">
+                <a:solidFill>
+                  <a:schemeClr val="dk1"/>
+                </a:solidFill>
+                <a:latin typeface="+mn-lt"/>
+                <a:ea typeface="+mn-ea"/>
+                <a:cs typeface="+mn-cs"/>
+                <a:sym typeface="Arial"/>
+              </a:defRPr>
+            </a:lvl9pPr>
+          </a:lstStyle>
+          <a:p>
+            <a:pPr defTabSz="228600">
+              <a:buClr>
+                <a:srgbClr val="F36A25"/>
+              </a:buClr>
+            </a:pPr>
+            <a:r>
+              <a:rPr lang="en-US" sz="1100" b="1" dirty="0">
+                <a:solidFill>
+                  <a:srgbClr val="00B050"/>
+                </a:solidFill>
+                <a:latin typeface="Courier New"/>
+                <a:cs typeface="Courier New"/>
+              </a:rPr>
+              <a:t>// 'T' is a placeholder for a datatype</a:t>
+            </a:r>
+          </a:p>
+          <a:p>
+            <a:pPr defTabSz="228600"/>
+            <a:r>
+              <a:rPr lang="en-US" sz="1100" b="1" dirty="0">
+                <a:solidFill>
+                  <a:srgbClr val="7030A0"/>
+                </a:solidFill>
+                <a:latin typeface="Courier New"/>
+                <a:cs typeface="Courier New"/>
+              </a:rPr>
+              <a:t>public class </a:t>
+            </a:r>
+            <a:r>
+              <a:rPr lang="en-US" sz="1100" b="1" dirty="0">
+                <a:solidFill>
+                  <a:srgbClr val="474C55"/>
+                </a:solidFill>
+                <a:latin typeface="Courier New"/>
+                <a:cs typeface="Courier New"/>
+              </a:rPr>
+              <a:t>Example&lt;T&gt; {</a:t>
+            </a:r>
+            <a:endParaRPr lang="en-US" sz="1100" b="1">
+              <a:solidFill>
+                <a:srgbClr val="474C55"/>
+              </a:solidFill>
+              <a:latin typeface="Courier New" panose="02070309020205020404" pitchFamily="49" charset="0"/>
+              <a:cs typeface="Courier New" panose="02070309020205020404" pitchFamily="49" charset="0"/>
+            </a:endParaRPr>
+          </a:p>
+          <a:p>
+            <a:pPr defTabSz="228600"/>
+            <a:r>
+              <a:rPr lang="en-US" sz="1100" b="1" dirty="0">
+                <a:solidFill>
+                  <a:srgbClr val="474C55"/>
+                </a:solidFill>
+                <a:latin typeface="Courier New"/>
+                <a:cs typeface="Courier New"/>
+              </a:rPr>
+              <a:t>   </a:t>
+            </a:r>
+            <a:r>
+              <a:rPr lang="en-US" sz="1100" b="1" dirty="0">
+                <a:solidFill>
+                  <a:srgbClr val="7030A0"/>
+                </a:solidFill>
+                <a:latin typeface="Courier New"/>
+                <a:cs typeface="Courier New"/>
+              </a:rPr>
+              <a:t>private </a:t>
+            </a:r>
+            <a:r>
+              <a:rPr lang="en-US" sz="1100" b="1" dirty="0">
+                <a:solidFill>
+                  <a:srgbClr val="474C55"/>
+                </a:solidFill>
+                <a:latin typeface="Courier New"/>
+                <a:cs typeface="Courier New"/>
+              </a:rPr>
+              <a:t>T data; </a:t>
+            </a:r>
+            <a:endParaRPr lang="en-US" sz="1100" b="1">
+              <a:solidFill>
+                <a:srgbClr val="474C55"/>
+              </a:solidFill>
+              <a:latin typeface="Courier New" panose="02070309020205020404" pitchFamily="49" charset="0"/>
+              <a:cs typeface="Courier New" panose="02070309020205020404" pitchFamily="49" charset="0"/>
+            </a:endParaRPr>
+          </a:p>
+          <a:p>
+            <a:pPr defTabSz="228600"/>
+            <a:r>
+              <a:rPr lang="en-US" sz="1100" b="1" dirty="0">
+                <a:solidFill>
+                  <a:srgbClr val="00B050"/>
+                </a:solidFill>
+                <a:latin typeface="Courier New"/>
+                <a:cs typeface="Courier New"/>
+              </a:rPr>
+              <a:t>   // parameterized Constructor referencing 'T'</a:t>
+            </a:r>
+            <a:endParaRPr lang="en-US" b="1">
+              <a:cs typeface="Arial"/>
+            </a:endParaRPr>
+          </a:p>
+          <a:p>
+            <a:pPr defTabSz="228600">
+              <a:buClr>
+                <a:srgbClr val="F36A25"/>
+              </a:buClr>
+            </a:pPr>
+            <a:r>
+              <a:rPr lang="en-US" sz="1100" b="1" dirty="0">
+                <a:solidFill>
+                  <a:srgbClr val="474C55"/>
+                </a:solidFill>
+                <a:latin typeface="Courier New"/>
+                <a:cs typeface="Courier New"/>
+              </a:rPr>
+              <a:t>	</a:t>
+            </a:r>
+            <a:r>
+              <a:rPr lang="en-US" sz="1100" b="1" dirty="0">
+                <a:solidFill>
+                  <a:srgbClr val="7030A0"/>
+                </a:solidFill>
+                <a:latin typeface="Courier New"/>
+                <a:cs typeface="Courier New"/>
+              </a:rPr>
+              <a:t>public </a:t>
+            </a:r>
+            <a:r>
+              <a:rPr lang="en-US" sz="1100" b="1" dirty="0">
+                <a:solidFill>
+                  <a:srgbClr val="474C55"/>
+                </a:solidFill>
+                <a:latin typeface="Courier New"/>
+                <a:cs typeface="Courier New"/>
+              </a:rPr>
+              <a:t>Example(T data) {</a:t>
+            </a:r>
+          </a:p>
+          <a:p>
+            <a:pPr defTabSz="228600">
+              <a:buClr>
+                <a:srgbClr val="F36A25"/>
+              </a:buClr>
+            </a:pPr>
+            <a:r>
+              <a:rPr lang="en-US" sz="1100" b="1" dirty="0">
+                <a:solidFill>
+                  <a:srgbClr val="474C55"/>
+                </a:solidFill>
+                <a:latin typeface="Courier New"/>
+                <a:cs typeface="Courier New"/>
+              </a:rPr>
+              <a:t>      </a:t>
+            </a:r>
+            <a:r>
+              <a:rPr lang="en-US" sz="1100" b="1" dirty="0" err="1">
+                <a:solidFill>
+                  <a:srgbClr val="7030A0"/>
+                </a:solidFill>
+                <a:latin typeface="Courier New"/>
+                <a:cs typeface="Courier New"/>
+              </a:rPr>
+              <a:t>this</a:t>
+            </a:r>
+            <a:r>
+              <a:rPr lang="en-US" sz="1100" b="1" dirty="0" err="1">
+                <a:solidFill>
+                  <a:srgbClr val="474C55"/>
+                </a:solidFill>
+                <a:latin typeface="Courier New"/>
+                <a:cs typeface="Courier New"/>
+              </a:rPr>
+              <a:t>.data</a:t>
+            </a:r>
+            <a:r>
+              <a:rPr lang="en-US" sz="1100" b="1" dirty="0">
+                <a:solidFill>
+                  <a:srgbClr val="474C55"/>
+                </a:solidFill>
+                <a:latin typeface="Courier New"/>
+                <a:cs typeface="Courier New"/>
+              </a:rPr>
+              <a:t> = data;</a:t>
+            </a:r>
+          </a:p>
+          <a:p>
+            <a:pPr defTabSz="228600">
+              <a:buClr>
+                <a:srgbClr val="F36A25"/>
+              </a:buClr>
+            </a:pPr>
+            <a:r>
+              <a:rPr lang="en-US" sz="1100" b="1" dirty="0">
+                <a:solidFill>
+                  <a:srgbClr val="474C55"/>
+                </a:solidFill>
+                <a:latin typeface="Courier New"/>
+                <a:cs typeface="Courier New"/>
+              </a:rPr>
+              <a:t>	}</a:t>
+            </a:r>
+          </a:p>
+          <a:p>
+            <a:pPr defTabSz="228600"/>
+            <a:endParaRPr lang="en-US" sz="1100" b="1" dirty="0">
+              <a:solidFill>
+                <a:srgbClr val="474C55"/>
+              </a:solidFill>
+              <a:latin typeface="Courier New"/>
+              <a:cs typeface="Courier New"/>
+            </a:endParaRPr>
+          </a:p>
+          <a:p>
+            <a:pPr defTabSz="228600"/>
+            <a:r>
+              <a:rPr lang="en-US" sz="1100" b="1" dirty="0">
+                <a:solidFill>
+                  <a:srgbClr val="00B050"/>
+                </a:solidFill>
+                <a:latin typeface="Courier New"/>
+                <a:cs typeface="Courier New"/>
+              </a:rPr>
+              <a:t>   // Getter and Setter referencing 'T'</a:t>
+            </a:r>
+            <a:endParaRPr lang="en-US" b="1">
+              <a:cs typeface="Arial"/>
+            </a:endParaRPr>
+          </a:p>
+          <a:p>
+            <a:pPr defTabSz="228600">
+              <a:buClr>
+                <a:srgbClr val="F36A25"/>
+              </a:buClr>
+            </a:pPr>
+            <a:r>
+              <a:rPr lang="en-US" sz="1100" b="1" dirty="0">
+                <a:solidFill>
+                  <a:srgbClr val="474C55"/>
+                </a:solidFill>
+                <a:latin typeface="Courier New"/>
+                <a:cs typeface="Courier New"/>
+              </a:rPr>
+              <a:t>	</a:t>
+            </a:r>
+            <a:r>
+              <a:rPr lang="en-US" sz="1100" b="1" dirty="0">
+                <a:solidFill>
+                  <a:srgbClr val="7030A0"/>
+                </a:solidFill>
+                <a:latin typeface="Courier New"/>
+                <a:cs typeface="Courier New"/>
+              </a:rPr>
+              <a:t>public </a:t>
+            </a:r>
+            <a:r>
+              <a:rPr lang="en-US" sz="1100" b="1" dirty="0">
+                <a:solidFill>
+                  <a:srgbClr val="474C55"/>
+                </a:solidFill>
+                <a:latin typeface="Courier New"/>
+                <a:cs typeface="Courier New"/>
+              </a:rPr>
+              <a:t>T </a:t>
+            </a:r>
+            <a:r>
+              <a:rPr lang="en-US" sz="1100" b="1" dirty="0" err="1">
+                <a:solidFill>
+                  <a:srgbClr val="474C55"/>
+                </a:solidFill>
+                <a:latin typeface="Courier New"/>
+                <a:cs typeface="Courier New"/>
+              </a:rPr>
+              <a:t>getData</a:t>
+            </a:r>
+            <a:r>
+              <a:rPr lang="en-US" sz="1100" b="1" dirty="0">
+                <a:solidFill>
+                  <a:srgbClr val="474C55"/>
+                </a:solidFill>
+                <a:latin typeface="Courier New"/>
+                <a:cs typeface="Courier New"/>
+              </a:rPr>
+              <a:t>() {</a:t>
+            </a:r>
+          </a:p>
+          <a:p>
+            <a:pPr defTabSz="228600">
+              <a:buClr>
+                <a:srgbClr val="F36A25"/>
+              </a:buClr>
+            </a:pPr>
+            <a:r>
+              <a:rPr lang="en-US" sz="1100" b="1" dirty="0">
+                <a:solidFill>
+                  <a:srgbClr val="474C55"/>
+                </a:solidFill>
+                <a:latin typeface="Courier New"/>
+                <a:cs typeface="Courier New"/>
+              </a:rPr>
+              <a:t>      </a:t>
+            </a:r>
+            <a:r>
+              <a:rPr lang="en-US" sz="1100" b="1" dirty="0">
+                <a:solidFill>
+                  <a:srgbClr val="7030A0"/>
+                </a:solidFill>
+                <a:latin typeface="Courier New"/>
+                <a:cs typeface="Courier New"/>
+              </a:rPr>
+              <a:t>return </a:t>
+            </a:r>
+            <a:r>
+              <a:rPr lang="en-US" sz="1100" b="1" dirty="0">
+                <a:solidFill>
+                  <a:srgbClr val="474C55"/>
+                </a:solidFill>
+                <a:latin typeface="Courier New"/>
+                <a:cs typeface="Courier New"/>
+              </a:rPr>
+              <a:t>data;</a:t>
+            </a:r>
+            <a:endParaRPr lang="en-US" sz="1100" b="1">
+              <a:solidFill>
+                <a:srgbClr val="474C55"/>
+              </a:solidFill>
+              <a:latin typeface="Courier New" panose="02070309020205020404" pitchFamily="49" charset="0"/>
+              <a:cs typeface="Courier New" panose="02070309020205020404" pitchFamily="49" charset="0"/>
+            </a:endParaRPr>
+          </a:p>
+          <a:p>
+            <a:pPr defTabSz="228600">
+              <a:buClr>
+                <a:srgbClr val="F36A25"/>
+              </a:buClr>
+            </a:pPr>
+            <a:r>
+              <a:rPr lang="en-US" sz="1100" b="1" dirty="0">
+                <a:solidFill>
+                  <a:srgbClr val="474C55"/>
+                </a:solidFill>
+                <a:latin typeface="Courier New"/>
+                <a:cs typeface="Courier New"/>
+              </a:rPr>
+              <a:t>	}</a:t>
+            </a:r>
+          </a:p>
+          <a:p>
+            <a:pPr defTabSz="228600">
+              <a:buClr>
+                <a:srgbClr val="F36A25"/>
+              </a:buClr>
+            </a:pPr>
+            <a:r>
+              <a:rPr lang="en-US" sz="1100" b="1" dirty="0">
+                <a:solidFill>
+                  <a:srgbClr val="474C55"/>
+                </a:solidFill>
+                <a:latin typeface="Courier New"/>
+                <a:cs typeface="Courier New"/>
+              </a:rPr>
+              <a:t>	</a:t>
+            </a:r>
+            <a:r>
+              <a:rPr lang="en-US" sz="1100" b="1" dirty="0">
+                <a:solidFill>
+                  <a:srgbClr val="7030A0"/>
+                </a:solidFill>
+                <a:latin typeface="Courier New"/>
+                <a:cs typeface="Courier New"/>
+              </a:rPr>
+              <a:t>public void </a:t>
+            </a:r>
+            <a:r>
+              <a:rPr lang="en-US" sz="1100" b="1" dirty="0" err="1">
+                <a:solidFill>
+                  <a:srgbClr val="474C55"/>
+                </a:solidFill>
+                <a:latin typeface="Courier New"/>
+                <a:cs typeface="Courier New"/>
+              </a:rPr>
+              <a:t>setData</a:t>
+            </a:r>
+            <a:r>
+              <a:rPr lang="en-US" sz="1100" b="1" dirty="0">
+                <a:solidFill>
+                  <a:srgbClr val="474C55"/>
+                </a:solidFill>
+                <a:latin typeface="Courier New"/>
+                <a:cs typeface="Courier New"/>
+              </a:rPr>
+              <a:t>(T data) {</a:t>
+            </a:r>
+          </a:p>
+          <a:p>
+            <a:pPr defTabSz="228600"/>
+            <a:r>
+              <a:rPr lang="en-US" sz="1100" b="1" dirty="0">
+                <a:solidFill>
+                  <a:srgbClr val="474C55"/>
+                </a:solidFill>
+                <a:latin typeface="Courier New"/>
+                <a:cs typeface="Courier New"/>
+              </a:rPr>
+              <a:t>      </a:t>
+            </a:r>
+            <a:r>
+              <a:rPr lang="en-US" sz="1100" b="1" dirty="0" err="1">
+                <a:solidFill>
+                  <a:srgbClr val="7030A0"/>
+                </a:solidFill>
+                <a:latin typeface="Courier New"/>
+                <a:cs typeface="Courier New"/>
+              </a:rPr>
+              <a:t>this</a:t>
+            </a:r>
+            <a:r>
+              <a:rPr lang="en-US" sz="1100" b="1" dirty="0" err="1">
+                <a:solidFill>
+                  <a:srgbClr val="474C55"/>
+                </a:solidFill>
+                <a:latin typeface="Courier New"/>
+                <a:cs typeface="Courier New"/>
+              </a:rPr>
+              <a:t>.data</a:t>
+            </a:r>
+            <a:r>
+              <a:rPr lang="en-US" sz="1100" b="1" dirty="0">
+                <a:solidFill>
+                  <a:srgbClr val="474C55"/>
+                </a:solidFill>
+                <a:latin typeface="Courier New"/>
+                <a:cs typeface="Courier New"/>
+              </a:rPr>
+              <a:t> = data;</a:t>
+            </a:r>
+            <a:endParaRPr lang="en-US" b="1">
+              <a:cs typeface="Arial"/>
+            </a:endParaRPr>
+          </a:p>
+          <a:p>
+            <a:pPr defTabSz="228600">
+              <a:buClr>
+                <a:srgbClr val="F36A25"/>
+              </a:buClr>
+            </a:pPr>
+            <a:r>
+              <a:rPr lang="en-US" sz="1100" b="1" dirty="0">
+                <a:solidFill>
+                  <a:srgbClr val="474C55"/>
+                </a:solidFill>
+                <a:latin typeface="Courier New"/>
+                <a:cs typeface="Courier New"/>
+              </a:rPr>
+              <a:t>	}</a:t>
+            </a:r>
+          </a:p>
+          <a:p>
+            <a:pPr defTabSz="228600">
+              <a:buClr>
+                <a:srgbClr val="F36A25"/>
+              </a:buClr>
+            </a:pPr>
+            <a:r>
+              <a:rPr lang="en-US" sz="1100" b="1" dirty="0">
+                <a:solidFill>
+                  <a:srgbClr val="474C55"/>
+                </a:solidFill>
+                <a:latin typeface="Courier New"/>
+                <a:cs typeface="Courier New"/>
+              </a:rPr>
+              <a:t>}</a:t>
+            </a:r>
+            <a:endParaRPr lang="en-US" b="1" dirty="0">
+              <a:latin typeface="Courier New"/>
+              <a:cs typeface="Courier New"/>
+            </a:endParaRPr>
+          </a:p>
+        </p:txBody>
+      </p:sp>
+      <p:sp>
+        <p:nvSpPr>
+          <p:cNvPr id="11" name="Text Placeholder 5">
+            <a:extLst>
+              <a:ext uri="{FF2B5EF4-FFF2-40B4-BE49-F238E27FC236}">
+                <a16:creationId xmlns:a16="http://schemas.microsoft.com/office/drawing/2014/main" id="{9CC98ADD-CAB9-47EB-87D6-4AF431D707D9}"/>
+              </a:ext>
+            </a:extLst>
+          </p:cNvPr>
+          <p:cNvSpPr txBox="1">
+            <a:spLocks/>
+          </p:cNvSpPr>
+          <p:nvPr/>
+        </p:nvSpPr>
+        <p:spPr>
+          <a:xfrm>
+            <a:off x="2185990" y="4786614"/>
+            <a:ext cx="5960165" cy="1208657"/>
+          </a:xfrm>
+          <a:prstGeom prst="rect">
+            <a:avLst/>
+          </a:prstGeom>
+        </p:spPr>
+        <p:style>
+          <a:lnRef idx="1">
+            <a:schemeClr val="accent2"/>
+          </a:lnRef>
+          <a:fillRef idx="2">
+            <a:schemeClr val="accent2"/>
+          </a:fillRef>
+          <a:effectRef idx="1">
+            <a:schemeClr val="accent2"/>
+          </a:effectRef>
+          <a:fontRef idx="minor">
+            <a:schemeClr val="dk1"/>
+          </a:fontRef>
+        </p:style>
+        <p:txBody>
+          <a:bodyPr lIns="91440" tIns="45720" rIns="91440" bIns="45720" anchor="t"/>
+          <a:lstStyle>
+            <a:defPPr marR="0" lvl="0" algn="l" rtl="0">
+              <a:lnSpc>
+                <a:spcPct val="100000"/>
+              </a:lnSpc>
+              <a:spcBef>
+                <a:spcPts val="0"/>
+              </a:spcBef>
+              <a:spcAft>
+                <a:spcPts val="0"/>
+              </a:spcAft>
+            </a:defPPr>
+            <a:lvl1pPr marR="0" lvl="0" algn="l" rtl="0">
+              <a:lnSpc>
+                <a:spcPct val="100000"/>
+              </a:lnSpc>
+              <a:spcBef>
+                <a:spcPts val="0"/>
+              </a:spcBef>
+              <a:spcAft>
+                <a:spcPts val="0"/>
+              </a:spcAft>
+              <a:buClr>
+                <a:srgbClr val="000000"/>
+              </a:buClr>
+              <a:buFont typeface="Arial"/>
+              <a:defRPr sz="1400" b="0" i="0" u="none" strike="noStrike" cap="none">
+                <a:solidFill>
+                  <a:schemeClr val="dk1"/>
+                </a:solidFill>
+                <a:latin typeface="+mn-lt"/>
+                <a:ea typeface="+mn-ea"/>
+                <a:cs typeface="+mn-cs"/>
+                <a:sym typeface="Arial"/>
+              </a:defRPr>
+            </a:lvl1pPr>
+            <a:lvl2pPr marR="0" lvl="1" algn="l" rtl="0">
+              <a:lnSpc>
+                <a:spcPct val="100000"/>
+              </a:lnSpc>
+              <a:spcBef>
+                <a:spcPts val="0"/>
+              </a:spcBef>
+              <a:spcAft>
+                <a:spcPts val="0"/>
+              </a:spcAft>
+              <a:buClr>
+                <a:srgbClr val="000000"/>
+              </a:buClr>
+              <a:buFont typeface="Arial"/>
+              <a:defRPr sz="1400" b="0" i="0" u="none" strike="noStrike" cap="none">
+                <a:solidFill>
+                  <a:schemeClr val="dk1"/>
+                </a:solidFill>
+                <a:latin typeface="+mn-lt"/>
+                <a:ea typeface="+mn-ea"/>
+                <a:cs typeface="+mn-cs"/>
+                <a:sym typeface="Arial"/>
+              </a:defRPr>
+            </a:lvl2pPr>
+            <a:lvl3pPr marR="0" lvl="2" algn="l" rtl="0">
+              <a:lnSpc>
+                <a:spcPct val="100000"/>
+              </a:lnSpc>
+              <a:spcBef>
+                <a:spcPts val="0"/>
+              </a:spcBef>
+              <a:spcAft>
+                <a:spcPts val="0"/>
+              </a:spcAft>
+              <a:buClr>
+                <a:srgbClr val="000000"/>
+              </a:buClr>
+              <a:buFont typeface="Arial"/>
+              <a:defRPr sz="1400" b="0" i="0" u="none" strike="noStrike" cap="none">
+                <a:solidFill>
+                  <a:schemeClr val="dk1"/>
+                </a:solidFill>
+                <a:latin typeface="+mn-lt"/>
+                <a:ea typeface="+mn-ea"/>
+                <a:cs typeface="+mn-cs"/>
+                <a:sym typeface="Arial"/>
+              </a:defRPr>
+            </a:lvl3pPr>
+            <a:lvl4pPr marR="0" lvl="3" algn="l" rtl="0">
+              <a:lnSpc>
+                <a:spcPct val="100000"/>
+              </a:lnSpc>
+              <a:spcBef>
+                <a:spcPts val="0"/>
+              </a:spcBef>
+              <a:spcAft>
+                <a:spcPts val="0"/>
+              </a:spcAft>
+              <a:buClr>
+                <a:srgbClr val="000000"/>
+              </a:buClr>
+              <a:buFont typeface="Arial"/>
+              <a:defRPr sz="1400" b="0" i="0" u="none" strike="noStrike" cap="none">
+                <a:solidFill>
+                  <a:schemeClr val="dk1"/>
+                </a:solidFill>
+                <a:latin typeface="+mn-lt"/>
+                <a:ea typeface="+mn-ea"/>
+                <a:cs typeface="+mn-cs"/>
+                <a:sym typeface="Arial"/>
+              </a:defRPr>
+            </a:lvl4pPr>
+            <a:lvl5pPr marR="0" lvl="4" algn="l" rtl="0">
+              <a:lnSpc>
+                <a:spcPct val="100000"/>
+              </a:lnSpc>
+              <a:spcBef>
+                <a:spcPts val="0"/>
+              </a:spcBef>
+              <a:spcAft>
+                <a:spcPts val="0"/>
+              </a:spcAft>
+              <a:buClr>
+                <a:srgbClr val="000000"/>
+              </a:buClr>
+              <a:buFont typeface="Arial"/>
+              <a:defRPr sz="1400" b="0" i="0" u="none" strike="noStrike" cap="none">
+                <a:solidFill>
+                  <a:schemeClr val="dk1"/>
+                </a:solidFill>
+                <a:latin typeface="+mn-lt"/>
+                <a:ea typeface="+mn-ea"/>
+                <a:cs typeface="+mn-cs"/>
+                <a:sym typeface="Arial"/>
+              </a:defRPr>
+            </a:lvl5pPr>
+            <a:lvl6pPr marR="0" lvl="5" algn="l" rtl="0">
+              <a:lnSpc>
+                <a:spcPct val="100000"/>
+              </a:lnSpc>
+              <a:spcBef>
+                <a:spcPts val="0"/>
+              </a:spcBef>
+              <a:spcAft>
+                <a:spcPts val="0"/>
+              </a:spcAft>
+              <a:buClr>
+                <a:srgbClr val="000000"/>
+              </a:buClr>
+              <a:buFont typeface="Arial"/>
+              <a:defRPr sz="1400" b="0" i="0" u="none" strike="noStrike" cap="none">
+                <a:solidFill>
+                  <a:schemeClr val="dk1"/>
+                </a:solidFill>
+                <a:latin typeface="+mn-lt"/>
+                <a:ea typeface="+mn-ea"/>
+                <a:cs typeface="+mn-cs"/>
+                <a:sym typeface="Arial"/>
+              </a:defRPr>
+            </a:lvl6pPr>
+            <a:lvl7pPr marR="0" lvl="6" algn="l" rtl="0">
+              <a:lnSpc>
+                <a:spcPct val="100000"/>
+              </a:lnSpc>
+              <a:spcBef>
+                <a:spcPts val="0"/>
+              </a:spcBef>
+              <a:spcAft>
+                <a:spcPts val="0"/>
+              </a:spcAft>
+              <a:buClr>
+                <a:srgbClr val="000000"/>
+              </a:buClr>
+              <a:buFont typeface="Arial"/>
+              <a:defRPr sz="1400" b="0" i="0" u="none" strike="noStrike" cap="none">
+                <a:solidFill>
+                  <a:schemeClr val="dk1"/>
+                </a:solidFill>
+                <a:latin typeface="+mn-lt"/>
+                <a:ea typeface="+mn-ea"/>
+                <a:cs typeface="+mn-cs"/>
+                <a:sym typeface="Arial"/>
+              </a:defRPr>
+            </a:lvl7pPr>
+            <a:lvl8pPr marR="0" lvl="7" algn="l" rtl="0">
+              <a:lnSpc>
+                <a:spcPct val="100000"/>
+              </a:lnSpc>
+              <a:spcBef>
+                <a:spcPts val="0"/>
+              </a:spcBef>
+              <a:spcAft>
+                <a:spcPts val="0"/>
+              </a:spcAft>
+              <a:buClr>
+                <a:srgbClr val="000000"/>
+              </a:buClr>
+              <a:buFont typeface="Arial"/>
+              <a:defRPr sz="1400" b="0" i="0" u="none" strike="noStrike" cap="none">
+                <a:solidFill>
+                  <a:schemeClr val="dk1"/>
+                </a:solidFill>
+                <a:latin typeface="+mn-lt"/>
+                <a:ea typeface="+mn-ea"/>
+                <a:cs typeface="+mn-cs"/>
+                <a:sym typeface="Arial"/>
+              </a:defRPr>
+            </a:lvl8pPr>
+            <a:lvl9pPr marR="0" lvl="8" algn="l" rtl="0">
+              <a:lnSpc>
+                <a:spcPct val="100000"/>
+              </a:lnSpc>
+              <a:spcBef>
+                <a:spcPts val="0"/>
+              </a:spcBef>
+              <a:spcAft>
+                <a:spcPts val="0"/>
+              </a:spcAft>
+              <a:buClr>
+                <a:srgbClr val="000000"/>
+              </a:buClr>
+              <a:buFont typeface="Arial"/>
+              <a:defRPr sz="1400" b="0" i="0" u="none" strike="noStrike" cap="none">
+                <a:solidFill>
+                  <a:schemeClr val="dk1"/>
+                </a:solidFill>
+                <a:latin typeface="+mn-lt"/>
+                <a:ea typeface="+mn-ea"/>
+                <a:cs typeface="+mn-cs"/>
+                <a:sym typeface="Arial"/>
+              </a:defRPr>
+            </a:lvl9pPr>
+          </a:lstStyle>
+          <a:p>
+            <a:pPr defTabSz="228600">
+              <a:buClr>
+                <a:srgbClr val="F36A25"/>
+              </a:buClr>
+            </a:pPr>
+            <a:r>
+              <a:rPr lang="en-US" sz="1100" b="1" dirty="0">
+                <a:solidFill>
+                  <a:srgbClr val="7030A0"/>
+                </a:solidFill>
+                <a:latin typeface="Courier New"/>
+                <a:cs typeface="Courier New"/>
+              </a:rPr>
+              <a:t>public class</a:t>
+            </a:r>
+            <a:r>
+              <a:rPr lang="en-US" sz="1100" b="1" dirty="0">
+                <a:solidFill>
+                  <a:srgbClr val="474C55"/>
+                </a:solidFill>
+                <a:latin typeface="Courier New"/>
+                <a:cs typeface="Courier New"/>
+              </a:rPr>
+              <a:t> Simulator {</a:t>
+            </a:r>
+            <a:endParaRPr lang="en-US" sz="1100" b="1">
+              <a:solidFill>
+                <a:srgbClr val="474C55"/>
+              </a:solidFill>
+              <a:latin typeface="Courier New" panose="02070309020205020404" pitchFamily="49" charset="0"/>
+              <a:cs typeface="Courier New" panose="02070309020205020404" pitchFamily="49" charset="0"/>
+            </a:endParaRPr>
+          </a:p>
+          <a:p>
+            <a:pPr defTabSz="228600"/>
+            <a:r>
+              <a:rPr lang="en-US" sz="1100" b="1" dirty="0">
+                <a:solidFill>
+                  <a:srgbClr val="474C55"/>
+                </a:solidFill>
+                <a:latin typeface="Courier New"/>
+                <a:cs typeface="Courier New"/>
+              </a:rPr>
+              <a:t>   </a:t>
+            </a:r>
+            <a:r>
+              <a:rPr lang="en-US" sz="1100" b="1" dirty="0">
+                <a:solidFill>
+                  <a:srgbClr val="7030A0"/>
+                </a:solidFill>
+                <a:latin typeface="Courier New"/>
+                <a:cs typeface="Courier New"/>
+              </a:rPr>
+              <a:t>public static void</a:t>
+            </a:r>
+            <a:r>
+              <a:rPr lang="en-US" sz="1100" b="1" dirty="0">
+                <a:solidFill>
+                  <a:srgbClr val="474C55"/>
+                </a:solidFill>
+                <a:latin typeface="Courier New"/>
+                <a:cs typeface="Courier New"/>
+              </a:rPr>
+              <a:t> main(String[] </a:t>
+            </a:r>
+            <a:r>
+              <a:rPr lang="en-US" sz="1100" b="1" dirty="0" err="1">
+                <a:solidFill>
+                  <a:srgbClr val="474C55"/>
+                </a:solidFill>
+                <a:latin typeface="Courier New"/>
+                <a:cs typeface="Courier New"/>
+              </a:rPr>
+              <a:t>args</a:t>
+            </a:r>
+            <a:r>
+              <a:rPr lang="en-US" sz="1100" b="1" dirty="0">
+                <a:solidFill>
+                  <a:srgbClr val="474C55"/>
+                </a:solidFill>
+                <a:latin typeface="Courier New"/>
+                <a:cs typeface="Courier New"/>
+              </a:rPr>
+              <a:t>) {</a:t>
+            </a:r>
+            <a:endParaRPr lang="en-US" sz="1100" b="1">
+              <a:solidFill>
+                <a:srgbClr val="474C55"/>
+              </a:solidFill>
+              <a:latin typeface="Courier New" panose="02070309020205020404" pitchFamily="49" charset="0"/>
+              <a:cs typeface="Courier New" panose="02070309020205020404" pitchFamily="49" charset="0"/>
+            </a:endParaRPr>
+          </a:p>
+          <a:p>
+            <a:pPr defTabSz="228600"/>
+            <a:r>
+              <a:rPr lang="en-US" sz="1100" b="1" dirty="0">
+                <a:solidFill>
+                  <a:srgbClr val="474C55"/>
+                </a:solidFill>
+                <a:latin typeface="Courier New"/>
+                <a:cs typeface="Courier New"/>
+              </a:rPr>
+              <a:t>      Example&lt;String&gt; </a:t>
+            </a:r>
+            <a:r>
+              <a:rPr lang="en-US" sz="1100" b="1" dirty="0" err="1">
+                <a:solidFill>
+                  <a:srgbClr val="474C55"/>
+                </a:solidFill>
+                <a:latin typeface="Courier New"/>
+                <a:cs typeface="Courier New"/>
+              </a:rPr>
+              <a:t>ex_str</a:t>
+            </a:r>
+            <a:r>
+              <a:rPr lang="en-US" sz="1100" b="1" dirty="0">
+                <a:solidFill>
+                  <a:srgbClr val="474C55"/>
+                </a:solidFill>
+                <a:latin typeface="Courier New"/>
+                <a:cs typeface="Courier New"/>
+              </a:rPr>
+              <a:t> = </a:t>
+            </a:r>
+            <a:r>
+              <a:rPr lang="en-US" sz="1100" b="1" dirty="0">
+                <a:solidFill>
+                  <a:srgbClr val="7030A0"/>
+                </a:solidFill>
+                <a:latin typeface="Courier New"/>
+                <a:cs typeface="Courier New"/>
+              </a:rPr>
+              <a:t>new </a:t>
+            </a:r>
+            <a:r>
+              <a:rPr lang="en-US" sz="1100" b="1" dirty="0">
+                <a:solidFill>
+                  <a:srgbClr val="474C55"/>
+                </a:solidFill>
+                <a:latin typeface="Courier New"/>
+                <a:cs typeface="Courier New"/>
+              </a:rPr>
+              <a:t>Example&lt;String&gt;("</a:t>
+            </a:r>
+            <a:r>
+              <a:rPr lang="en-US" sz="1100" b="1" dirty="0" err="1">
+                <a:solidFill>
+                  <a:srgbClr val="474C55"/>
+                </a:solidFill>
+                <a:latin typeface="Courier New"/>
+                <a:cs typeface="Courier New"/>
+              </a:rPr>
+              <a:t>Revature</a:t>
+            </a:r>
+            <a:r>
+              <a:rPr lang="en-US" sz="1100" b="1" dirty="0">
+                <a:solidFill>
+                  <a:srgbClr val="474C55"/>
+                </a:solidFill>
+                <a:latin typeface="Courier New"/>
+                <a:cs typeface="Courier New"/>
+              </a:rPr>
+              <a:t>");</a:t>
+            </a:r>
+            <a:endParaRPr lang="en-US" b="1">
+              <a:cs typeface="Arial"/>
+            </a:endParaRPr>
+          </a:p>
+          <a:p>
+            <a:pPr defTabSz="228600"/>
+            <a:r>
+              <a:rPr lang="en-US" sz="1100" b="1" dirty="0">
+                <a:solidFill>
+                  <a:srgbClr val="474C55"/>
+                </a:solidFill>
+                <a:latin typeface="Courier New"/>
+                <a:cs typeface="Courier New"/>
+              </a:rPr>
+              <a:t>      Example&lt;Integer&gt; </a:t>
+            </a:r>
+            <a:r>
+              <a:rPr lang="en-US" sz="1100" b="1" dirty="0" err="1">
+                <a:solidFill>
+                  <a:srgbClr val="474C55"/>
+                </a:solidFill>
+                <a:latin typeface="Courier New"/>
+                <a:cs typeface="Courier New"/>
+              </a:rPr>
+              <a:t>ex_int</a:t>
+            </a:r>
+            <a:r>
+              <a:rPr lang="en-US" sz="1100" b="1" dirty="0">
+                <a:solidFill>
+                  <a:srgbClr val="474C55"/>
+                </a:solidFill>
+                <a:latin typeface="Courier New"/>
+                <a:cs typeface="Courier New"/>
+              </a:rPr>
+              <a:t> = </a:t>
+            </a:r>
+            <a:r>
+              <a:rPr lang="en-US" sz="1100" b="1" dirty="0">
+                <a:solidFill>
+                  <a:srgbClr val="7030A0"/>
+                </a:solidFill>
+                <a:latin typeface="Courier New"/>
+                <a:cs typeface="Courier New"/>
+              </a:rPr>
+              <a:t>new </a:t>
+            </a:r>
+            <a:r>
+              <a:rPr lang="en-US" sz="1100" b="1" dirty="0">
+                <a:solidFill>
+                  <a:srgbClr val="474C55"/>
+                </a:solidFill>
+                <a:latin typeface="Courier New"/>
+                <a:cs typeface="Courier New"/>
+              </a:rPr>
+              <a:t>Example&lt;Integer&gt;(55);</a:t>
+            </a:r>
+            <a:endParaRPr lang="en-US" b="1">
+              <a:cs typeface="Arial"/>
+            </a:endParaRPr>
+          </a:p>
+          <a:p>
+            <a:pPr defTabSz="228600">
+              <a:buClr>
+                <a:srgbClr val="F36A25"/>
+              </a:buClr>
+            </a:pPr>
+            <a:r>
+              <a:rPr lang="en-US" sz="1100" b="1" dirty="0">
+                <a:solidFill>
+                  <a:srgbClr val="474C55"/>
+                </a:solidFill>
+                <a:latin typeface="Courier New"/>
+                <a:cs typeface="Courier New"/>
+              </a:rPr>
+              <a:t>	}</a:t>
+            </a:r>
+          </a:p>
+          <a:p>
+            <a:pPr defTabSz="228600">
+              <a:buClr>
+                <a:srgbClr val="F36A25"/>
+              </a:buClr>
+            </a:pPr>
+            <a:r>
+              <a:rPr lang="en-US" sz="1100" b="1" dirty="0">
+                <a:solidFill>
+                  <a:srgbClr val="474C55"/>
+                </a:solidFill>
+                <a:latin typeface="Courier New"/>
+                <a:cs typeface="Courier New"/>
+              </a:rPr>
+              <a:t>}</a:t>
+            </a:r>
+            <a:endParaRPr lang="en-US" b="1" dirty="0">
+              <a:latin typeface="Courier New"/>
+              <a:cs typeface="Courier New"/>
+            </a:endParaRPr>
+          </a:p>
+        </p:txBody>
+      </p:sp>
+    </p:spTree>
+    <p:extLst>
+      <p:ext uri="{BB962C8B-B14F-4D97-AF65-F5344CB8AC3E}">
+        <p14:creationId xmlns:p14="http://schemas.microsoft.com/office/powerpoint/2010/main" val="2163507849"/>
+      </p:ext>
+    </p:extLst>
+  </p:cSld>
+  <p:clrMapOvr>
+    <a:masterClrMapping/>
+  </p:clrMapOvr>
+</p:sld>
+</file>
+
+<file path=ppt/slides/slide23.xml><?xml version="1.0" encoding="utf-8"?>
+<p:sld xmlns:a="http://schemas.openxmlformats.org/drawingml/2006/main" xmlns:r="http://schemas.openxmlformats.org/officeDocument/2006/relationships" xmlns:p="http://schemas.openxmlformats.org/presentationml/2006/main">
+  <p:cSld>
+    <p:spTree>
+      <p:nvGrpSpPr>
+        <p:cNvPr id="1" name=""/>
+        <p:cNvGrpSpPr/>
+        <p:nvPr/>
+      </p:nvGrpSpPr>
+      <p:grpSpPr>
+        <a:xfrm>
+          <a:off x="0" y="0"/>
+          <a:ext cx="0" cy="0"/>
+          <a:chOff x="0" y="0"/>
+          <a:chExt cx="0" cy="0"/>
+        </a:xfrm>
+      </p:grpSpPr>
+      <p:sp>
+        <p:nvSpPr>
           <p:cNvPr id="4" name="Slide Number Placeholder 3">
             <a:extLst>
               <a:ext uri="{FF2B5EF4-FFF2-40B4-BE49-F238E27FC236}">
@@ -32846,7 +34371,7 @@
             </a:pPr>
             <a:fld id="{00000000-1234-1234-1234-123412341234}" type="slidenum">
               <a:rPr lang="en-US" smtClean="0"/>
-              <a:t>21</a:t>
+              <a:t>22</a:t>
             </a:fld>
             <a:endParaRPr lang="en-US"/>
           </a:p>
@@ -32871,7 +34396,7 @@
         <p:spPr>
           <a:xfrm>
             <a:off x="159572" y="2707584"/>
-            <a:ext cx="8826500" cy="3428173"/>
+            <a:ext cx="8826500" cy="3388416"/>
           </a:xfrm>
         </p:spPr>
         <p:txBody>
@@ -32899,7 +34424,7 @@
 </p:sld>
 </file>
 
-<file path=ppt/slides/slide23.xml><?xml version="1.0" encoding="utf-8"?>
+<file path=ppt/slides/slide24.xml><?xml version="1.0" encoding="utf-8"?>
 <p:sld xmlns:a="http://schemas.openxmlformats.org/drawingml/2006/main" xmlns:r="http://schemas.openxmlformats.org/officeDocument/2006/relationships" xmlns:p="http://schemas.openxmlformats.org/presentationml/2006/main">
   <p:cSld>
     <p:spTree>
@@ -33127,7 +34652,7 @@
             </a:pPr>
             <a:fld id="{00000000-1234-1234-1234-123412341234}" type="slidenum">
               <a:rPr lang="en-US"/>
-              <a:t>22</a:t>
+              <a:t>23</a:t>
             </a:fld>
             <a:endParaRPr/>
           </a:p>
@@ -33141,7 +34666,7 @@
 </p:sld>
 </file>
 
-<file path=ppt/slides/slide24.xml><?xml version="1.0" encoding="utf-8"?>
+<file path=ppt/slides/slide25.xml><?xml version="1.0" encoding="utf-8"?>
 <p:sld xmlns:a="http://schemas.openxmlformats.org/drawingml/2006/main" xmlns:r="http://schemas.openxmlformats.org/officeDocument/2006/relationships" xmlns:p="http://schemas.openxmlformats.org/presentationml/2006/main">
   <p:cSld>
     <p:spTree>
@@ -33218,7 +34743,7 @@
             </a:pPr>
             <a:fld id="{00000000-1234-1234-1234-123412341234}" type="slidenum">
               <a:rPr lang="en-US" smtClean="0"/>
-              <a:t>23</a:t>
+              <a:t>24</a:t>
             </a:fld>
             <a:endParaRPr lang="en-US"/>
           </a:p>
@@ -34047,7 +35572,7 @@
 </p:sld>
 </file>
 
-<file path=ppt/slides/slide25.xml><?xml version="1.0" encoding="utf-8"?>
+<file path=ppt/slides/slide26.xml><?xml version="1.0" encoding="utf-8"?>
 <p:sld xmlns:a="http://schemas.openxmlformats.org/drawingml/2006/main" xmlns:r="http://schemas.openxmlformats.org/officeDocument/2006/relationships" xmlns:p="http://schemas.openxmlformats.org/presentationml/2006/main">
   <p:cSld>
     <p:spTree>
@@ -34344,201 +35869,13 @@
             </a:pPr>
             <a:fld id="{00000000-1234-1234-1234-123412341234}" type="slidenum">
               <a:rPr lang="en-US"/>
-              <a:t>24</a:t>
+              <a:t>25</a:t>
             </a:fld>
             <a:endParaRPr/>
           </a:p>
         </p:txBody>
       </p:sp>
     </p:spTree>
-  </p:cSld>
-  <p:clrMapOvr>
-    <a:masterClrMapping/>
-  </p:clrMapOvr>
-</p:sld>
-</file>
-
-<file path=ppt/slides/slide26.xml><?xml version="1.0" encoding="utf-8"?>
-<p:sld xmlns:a="http://schemas.openxmlformats.org/drawingml/2006/main" xmlns:r="http://schemas.openxmlformats.org/officeDocument/2006/relationships" xmlns:p="http://schemas.openxmlformats.org/presentationml/2006/main">
-  <p:cSld>
-    <p:spTree>
-      <p:nvGrpSpPr>
-        <p:cNvPr id="1" name=""/>
-        <p:cNvGrpSpPr/>
-        <p:nvPr/>
-      </p:nvGrpSpPr>
-      <p:grpSpPr>
-        <a:xfrm>
-          <a:off x="0" y="0"/>
-          <a:ext cx="0" cy="0"/>
-          <a:chOff x="0" y="0"/>
-          <a:chExt cx="0" cy="0"/>
-        </a:xfrm>
-      </p:grpSpPr>
-      <p:sp>
-        <p:nvSpPr>
-          <p:cNvPr id="4" name="Slide Number Placeholder 3">
-            <a:extLst>
-              <a:ext uri="{FF2B5EF4-FFF2-40B4-BE49-F238E27FC236}">
-                <a16:creationId xmlns:a16="http://schemas.microsoft.com/office/drawing/2014/main" id="{A59C8AF3-886F-4396-8CE5-882B0FBFEBCE}"/>
-              </a:ext>
-            </a:extLst>
-          </p:cNvPr>
-          <p:cNvSpPr>
-            <a:spLocks noGrp="1"/>
-          </p:cNvSpPr>
-          <p:nvPr>
-            <p:ph type="sldNum" idx="12"/>
-          </p:nvPr>
-        </p:nvSpPr>
-        <p:spPr/>
-        <p:txBody>
-          <a:bodyPr/>
-          <a:lstStyle/>
-          <a:p>
-            <a:pPr marL="0" lvl="0" indent="0" algn="r" rtl="0">
-              <a:spcBef>
-                <a:spcPts val="0"/>
-              </a:spcBef>
-              <a:spcAft>
-                <a:spcPts val="0"/>
-              </a:spcAft>
-              <a:buNone/>
-            </a:pPr>
-            <a:fld id="{00000000-1234-1234-1234-123412341234}" type="slidenum">
-              <a:rPr lang="en-US" smtClean="0"/>
-              <a:t>25</a:t>
-            </a:fld>
-            <a:endParaRPr lang="en-US"/>
-          </a:p>
-        </p:txBody>
-      </p:sp>
-      <p:sp>
-        <p:nvSpPr>
-          <p:cNvPr id="5" name="Title 4">
-            <a:extLst>
-              <a:ext uri="{FF2B5EF4-FFF2-40B4-BE49-F238E27FC236}">
-                <a16:creationId xmlns:a16="http://schemas.microsoft.com/office/drawing/2014/main" id="{C1F7178E-2C20-45D9-9510-0E0B663E6E1B}"/>
-              </a:ext>
-            </a:extLst>
-          </p:cNvPr>
-          <p:cNvSpPr>
-            <a:spLocks noGrp="1"/>
-          </p:cNvSpPr>
-          <p:nvPr>
-            <p:ph type="title"/>
-          </p:nvPr>
-        </p:nvSpPr>
-        <p:spPr/>
-        <p:txBody>
-          <a:bodyPr/>
-          <a:lstStyle/>
-          <a:p>
-            <a:r>
-              <a:rPr lang="en-US" dirty="0"/>
-              <a:t>Recall</a:t>
-            </a:r>
-          </a:p>
-        </p:txBody>
-      </p:sp>
-      <p:sp>
-        <p:nvSpPr>
-          <p:cNvPr id="6" name="Text Placeholder 5">
-            <a:extLst>
-              <a:ext uri="{FF2B5EF4-FFF2-40B4-BE49-F238E27FC236}">
-                <a16:creationId xmlns:a16="http://schemas.microsoft.com/office/drawing/2014/main" id="{FB91D23C-017F-40CF-903D-94998178122D}"/>
-              </a:ext>
-            </a:extLst>
-          </p:cNvPr>
-          <p:cNvSpPr>
-            <a:spLocks noGrp="1"/>
-          </p:cNvSpPr>
-          <p:nvPr>
-            <p:ph type="body" idx="1"/>
-          </p:nvPr>
-        </p:nvSpPr>
-        <p:spPr/>
-        <p:txBody>
-          <a:bodyPr/>
-          <a:lstStyle/>
-          <a:p>
-            <a:pPr marL="565150" indent="-514350">
-              <a:buFont typeface="+mj-lt"/>
-              <a:buAutoNum type="arabicPeriod"/>
-            </a:pPr>
-            <a:r>
-              <a:rPr lang="en-US" dirty="0"/>
-              <a:t>What is a data structure?</a:t>
-            </a:r>
-          </a:p>
-          <a:p>
-            <a:pPr marL="565150" indent="-514350">
-              <a:buFont typeface="+mj-lt"/>
-              <a:buAutoNum type="arabicPeriod"/>
-            </a:pPr>
-            <a:r>
-              <a:rPr lang="en-US" dirty="0"/>
-              <a:t>What is the Java Collection Framework?</a:t>
-            </a:r>
-          </a:p>
-          <a:p>
-            <a:pPr marL="565150" indent="-514350">
-              <a:buFont typeface="+mj-lt"/>
-              <a:buAutoNum type="arabicPeriod"/>
-            </a:pPr>
-            <a:r>
-              <a:rPr lang="en-US" dirty="0"/>
-              <a:t>What is a Set, Queue, List, and Map? </a:t>
-            </a:r>
-          </a:p>
-          <a:p>
-            <a:pPr marL="565150" indent="-514350">
-              <a:buFont typeface="+mj-lt"/>
-              <a:buAutoNum type="arabicPeriod"/>
-            </a:pPr>
-            <a:r>
-              <a:rPr lang="en-US" dirty="0"/>
-              <a:t>How are collections iterated over?</a:t>
-            </a:r>
-          </a:p>
-          <a:p>
-            <a:pPr marL="565150" indent="-514350">
-              <a:buFont typeface="+mj-lt"/>
-              <a:buAutoNum type="arabicPeriod"/>
-            </a:pPr>
-            <a:r>
-              <a:rPr lang="en-US" dirty="0"/>
-              <a:t>What are some methods I can use with collections? With Maps?</a:t>
-            </a:r>
-          </a:p>
-          <a:p>
-            <a:pPr marL="565150" indent="-514350">
-              <a:buFont typeface="+mj-lt"/>
-              <a:buAutoNum type="arabicPeriod"/>
-            </a:pPr>
-            <a:r>
-              <a:rPr lang="en-US" dirty="0"/>
-              <a:t>What are generics and why should I use them?</a:t>
-            </a:r>
-          </a:p>
-          <a:p>
-            <a:pPr marL="565150" indent="-514350">
-              <a:buFont typeface="+mj-lt"/>
-              <a:buAutoNum type="arabicPeriod"/>
-            </a:pPr>
-            <a:r>
-              <a:rPr lang="en-US" dirty="0"/>
-              <a:t>How do I create a sorting order for a custom object?</a:t>
-            </a:r>
-          </a:p>
-        </p:txBody>
-      </p:sp>
-    </p:spTree>
-    <p:extLst>
-      <p:ext uri="{BB962C8B-B14F-4D97-AF65-F5344CB8AC3E}">
-        <p14:creationId xmlns:p14="http://schemas.microsoft.com/office/powerpoint/2010/main" val="1987723961"/>
-      </p:ext>
-    </p:extLst>
   </p:cSld>
   <p:clrMapOvr>
     <a:masterClrMapping/>
@@ -34624,7 +35961,7 @@
           <a:p>
             <a:r>
               <a:rPr lang="en-US" dirty="0"/>
-              <a:t>Outro</a:t>
+              <a:t>Recall</a:t>
             </a:r>
           </a:p>
         </p:txBody>
@@ -34650,30 +35987,73 @@
           <a:bodyPr/>
           <a:lstStyle/>
           <a:p>
+            <a:pPr marL="565150" indent="-514350">
+              <a:buFont typeface="+mj-lt"/>
+              <a:buAutoNum type="arabicPeriod"/>
+            </a:pPr>
             <a:r>
               <a:rPr lang="en-US" dirty="0"/>
-              <a:t>Last exam is open Wednesday - Sunday</a:t>
+              <a:t>What is a data structure?</a:t>
             </a:r>
           </a:p>
           <a:p>
+            <a:pPr marL="565150" indent="-514350">
+              <a:buFont typeface="+mj-lt"/>
+              <a:buAutoNum type="arabicPeriod"/>
+            </a:pPr>
             <a:r>
               <a:rPr lang="en-US" dirty="0"/>
-              <a:t>Turn in work by next Monday</a:t>
+              <a:t>What is the Java Collection Framework?</a:t>
             </a:r>
           </a:p>
           <a:p>
-            <a:pPr lvl="1"/>
+            <a:pPr marL="565150" indent="-514350">
+              <a:buFont typeface="+mj-lt"/>
+              <a:buAutoNum type="arabicPeriod"/>
+            </a:pPr>
             <a:r>
               <a:rPr lang="en-US" dirty="0"/>
-              <a:t>Exam and submissions are</a:t>
-            </a:r>
-            <a:r>
-              <a:rPr lang="en-US" b="1" dirty="0"/>
-              <a:t> not </a:t>
-            </a:r>
+              <a:t>What is a Set, Queue, List, and Map? </a:t>
+            </a:r>
+          </a:p>
+          <a:p>
+            <a:pPr marL="565150" indent="-514350">
+              <a:buFont typeface="+mj-lt"/>
+              <a:buAutoNum type="arabicPeriod"/>
+            </a:pPr>
             <a:r>
               <a:rPr lang="en-US" dirty="0"/>
-              <a:t>accepted on Monday!</a:t>
+              <a:t>How are collections iterated over?</a:t>
+            </a:r>
+          </a:p>
+          <a:p>
+            <a:pPr marL="565150" indent="-514350">
+              <a:buFont typeface="+mj-lt"/>
+              <a:buAutoNum type="arabicPeriod"/>
+            </a:pPr>
+            <a:r>
+              <a:rPr lang="en-US" dirty="0"/>
+              <a:t>What are some methods I can use with collections? With Maps?</a:t>
+            </a:r>
+          </a:p>
+          <a:p>
+            <a:pPr marL="565150" indent="-514350">
+              <a:buFont typeface="+mj-lt"/>
+              <a:buAutoNum type="arabicPeriod"/>
+            </a:pPr>
+            <a:r>
+              <a:rPr lang="en-US" dirty="0"/>
+              <a:t>What are generics and why should I use them?</a:t>
+            </a:r>
+          </a:p>
+          <a:p>
+            <a:pPr marL="565150" indent="-514350">
+              <a:buFont typeface="+mj-lt"/>
+              <a:buAutoNum type="arabicPeriod"/>
+            </a:pPr>
+            <a:r>
+              <a:rPr lang="en-US" dirty="0"/>
+              <a:t>How do I create a sorting order for a custom object?</a:t>
             </a:r>
           </a:p>
         </p:txBody>
@@ -34681,7 +36061,7 @@
     </p:spTree>
     <p:extLst>
       <p:ext uri="{BB962C8B-B14F-4D97-AF65-F5344CB8AC3E}">
-        <p14:creationId xmlns:p14="http://schemas.microsoft.com/office/powerpoint/2010/main" val="3714918466"/>
+        <p14:creationId xmlns:p14="http://schemas.microsoft.com/office/powerpoint/2010/main" val="1987723961"/>
       </p:ext>
     </p:extLst>
   </p:cSld>
@@ -34883,7 +36263,7 @@
         <p:spPr>
           <a:xfrm>
             <a:off x="159572" y="2707584"/>
-            <a:ext cx="8826500" cy="3520938"/>
+            <a:ext cx="8826500" cy="3388416"/>
           </a:xfrm>
         </p:spPr>
         <p:txBody>
@@ -38733,7 +40113,7 @@
         <p:spPr>
           <a:xfrm>
             <a:off x="159572" y="2707584"/>
-            <a:ext cx="8826500" cy="3481181"/>
+            <a:ext cx="8826500" cy="3414920"/>
           </a:xfrm>
         </p:spPr>
         <p:txBody>
